--- a/doc/2023_02_08_进展汇报.pptx
+++ b/doc/2023_02_08_进展汇报.pptx
@@ -17,11 +17,14 @@
     <p:sldId id="266" r:id="rId11"/>
     <p:sldId id="270" r:id="rId12"/>
     <p:sldId id="271" r:id="rId13"/>
-    <p:sldId id="267" r:id="rId14"/>
-    <p:sldId id="268" r:id="rId15"/>
-    <p:sldId id="269" r:id="rId16"/>
-    <p:sldId id="272" r:id="rId17"/>
-    <p:sldId id="262" r:id="rId18"/>
+    <p:sldId id="275" r:id="rId14"/>
+    <p:sldId id="267" r:id="rId15"/>
+    <p:sldId id="268" r:id="rId16"/>
+    <p:sldId id="273" r:id="rId17"/>
+    <p:sldId id="269" r:id="rId18"/>
+    <p:sldId id="274" r:id="rId19"/>
+    <p:sldId id="272" r:id="rId20"/>
+    <p:sldId id="262" r:id="rId21"/>
   </p:sldIdLst>
   <p:sldSz cx="12192000" cy="6858000"/>
   <p:notesSz cx="6858000" cy="9144000"/>
@@ -120,6 +123,11 @@
       </a:defRPr>
     </a:lvl9pPr>
   </p:defaultTextStyle>
+  <p:extLst>
+    <p:ext uri="{EFAFB233-063F-42B5-8137-9DF3F51BA10A}">
+      <p15:sldGuideLst xmlns:p15="http://schemas.microsoft.com/office/powerpoint/2012/main"/>
+    </p:ext>
+  </p:extLst>
 </p:presentation>
 </file>
 
@@ -269,7 +277,7 @@
           <a:lstStyle/>
           <a:p>
             <a:fld id="{AE560C86-3D1C-FA4E-8EA5-F670A8937A08}" type="datetimeFigureOut">
-              <a:t>2023/2/8</a:t>
+              <a:t>2/8/2023</a:t>
             </a:fld>
             <a:endParaRPr kumimoji="1" lang="zh-CN" altLang="en-US"/>
           </a:p>
@@ -465,7 +473,7 @@
           <a:lstStyle/>
           <a:p>
             <a:fld id="{AE560C86-3D1C-FA4E-8EA5-F670A8937A08}" type="datetimeFigureOut">
-              <a:t>2023/2/8</a:t>
+              <a:t>2/8/2023</a:t>
             </a:fld>
             <a:endParaRPr kumimoji="1" lang="zh-CN" altLang="en-US"/>
           </a:p>
@@ -671,7 +679,7 @@
           <a:lstStyle/>
           <a:p>
             <a:fld id="{AE560C86-3D1C-FA4E-8EA5-F670A8937A08}" type="datetimeFigureOut">
-              <a:t>2023/2/8</a:t>
+              <a:t>2/8/2023</a:t>
             </a:fld>
             <a:endParaRPr kumimoji="1" lang="zh-CN" altLang="en-US"/>
           </a:p>
@@ -867,7 +875,7 @@
           <a:lstStyle/>
           <a:p>
             <a:fld id="{AE560C86-3D1C-FA4E-8EA5-F670A8937A08}" type="datetimeFigureOut">
-              <a:t>2023/2/8</a:t>
+              <a:t>2/8/2023</a:t>
             </a:fld>
             <a:endParaRPr kumimoji="1" lang="zh-CN" altLang="en-US"/>
           </a:p>
@@ -1140,7 +1148,7 @@
           <a:lstStyle/>
           <a:p>
             <a:fld id="{AE560C86-3D1C-FA4E-8EA5-F670A8937A08}" type="datetimeFigureOut">
-              <a:t>2023/2/8</a:t>
+              <a:t>2/8/2023</a:t>
             </a:fld>
             <a:endParaRPr kumimoji="1" lang="zh-CN" altLang="en-US"/>
           </a:p>
@@ -1403,7 +1411,7 @@
           <a:lstStyle/>
           <a:p>
             <a:fld id="{AE560C86-3D1C-FA4E-8EA5-F670A8937A08}" type="datetimeFigureOut">
-              <a:t>2023/2/8</a:t>
+              <a:t>2/8/2023</a:t>
             </a:fld>
             <a:endParaRPr kumimoji="1" lang="zh-CN" altLang="en-US"/>
           </a:p>
@@ -1813,7 +1821,7 @@
           <a:lstStyle/>
           <a:p>
             <a:fld id="{AE560C86-3D1C-FA4E-8EA5-F670A8937A08}" type="datetimeFigureOut">
-              <a:t>2023/2/8</a:t>
+              <a:t>2/8/2023</a:t>
             </a:fld>
             <a:endParaRPr kumimoji="1" lang="zh-CN" altLang="en-US"/>
           </a:p>
@@ -1952,7 +1960,7 @@
           <a:lstStyle/>
           <a:p>
             <a:fld id="{AE560C86-3D1C-FA4E-8EA5-F670A8937A08}" type="datetimeFigureOut">
-              <a:t>2023/2/8</a:t>
+              <a:t>2/8/2023</a:t>
             </a:fld>
             <a:endParaRPr kumimoji="1" lang="zh-CN" altLang="en-US"/>
           </a:p>
@@ -2063,7 +2071,7 @@
           <a:lstStyle/>
           <a:p>
             <a:fld id="{AE560C86-3D1C-FA4E-8EA5-F670A8937A08}" type="datetimeFigureOut">
-              <a:t>2023/2/8</a:t>
+              <a:t>2/8/2023</a:t>
             </a:fld>
             <a:endParaRPr kumimoji="1" lang="zh-CN" altLang="en-US"/>
           </a:p>
@@ -2372,7 +2380,7 @@
           <a:lstStyle/>
           <a:p>
             <a:fld id="{AE560C86-3D1C-FA4E-8EA5-F670A8937A08}" type="datetimeFigureOut">
-              <a:t>2023/2/8</a:t>
+              <a:t>2/8/2023</a:t>
             </a:fld>
             <a:endParaRPr kumimoji="1" lang="zh-CN" altLang="en-US"/>
           </a:p>
@@ -2658,7 +2666,7 @@
           <a:lstStyle/>
           <a:p>
             <a:fld id="{AE560C86-3D1C-FA4E-8EA5-F670A8937A08}" type="datetimeFigureOut">
-              <a:t>2023/2/8</a:t>
+              <a:t>2/8/2023</a:t>
             </a:fld>
             <a:endParaRPr kumimoji="1" lang="zh-CN" altLang="en-US"/>
           </a:p>
@@ -2897,7 +2905,7 @@
           </a:lstStyle>
           <a:p>
             <a:fld id="{AE560C86-3D1C-FA4E-8EA5-F670A8937A08}" type="datetimeFigureOut">
-              <a:t>2023/2/8</a:t>
+              <a:t>2/8/2023</a:t>
             </a:fld>
             <a:endParaRPr kumimoji="1" lang="zh-CN" altLang="en-US"/>
           </a:p>
@@ -3418,7 +3426,7 @@
           <a:lstStyle/>
           <a:p>
             <a:r>
-              <a:rPr kumimoji="1" lang="zh-CN" altLang="en-US"/>
+              <a:rPr kumimoji="1" lang="zh-CN" altLang="en-US" dirty="0"/>
               <a:t>数据探索与变换</a:t>
             </a:r>
           </a:p>
@@ -3446,20 +3454,50 @@
           <a:lstStyle/>
           <a:p>
             <a:r>
-              <a:rPr kumimoji="1" lang="zh-CN" altLang="en-US"/>
-              <a:t>一些互相相关的变量</a:t>
-            </a:r>
-            <a:r>
-              <a:rPr kumimoji="1" lang="en-US" altLang="zh-CN"/>
+              <a:rPr kumimoji="1" lang="zh-CN" altLang="en-US" dirty="0"/>
+              <a:t>一些互相相关的自变量</a:t>
+            </a:r>
+            <a:r>
+              <a:rPr kumimoji="1" lang="en-US" altLang="zh-CN" dirty="0"/>
               <a:t>,</a:t>
             </a:r>
             <a:r>
-              <a:rPr kumimoji="1" lang="zh-CN" altLang="en-US"/>
+              <a:rPr kumimoji="1" lang="zh-CN" altLang="en-US" dirty="0"/>
               <a:t> 我们只能纳入其中的一个</a:t>
             </a:r>
           </a:p>
         </p:txBody>
       </p:sp>
+      <p:pic>
+        <p:nvPicPr>
+          <p:cNvPr id="4" name="Picture 3">
+            <a:extLst>
+              <a:ext uri="{FF2B5EF4-FFF2-40B4-BE49-F238E27FC236}">
+                <a16:creationId xmlns:a16="http://schemas.microsoft.com/office/drawing/2014/main" id="{8BF49315-EF83-48CD-A21C-A237105383C8}"/>
+              </a:ext>
+            </a:extLst>
+          </p:cNvPr>
+          <p:cNvPicPr>
+            <a:picLocks noChangeAspect="1"/>
+          </p:cNvPicPr>
+          <p:nvPr/>
+        </p:nvPicPr>
+        <p:blipFill>
+          <a:blip r:embed="rId2"/>
+          <a:stretch>
+            <a:fillRect/>
+          </a:stretch>
+        </p:blipFill>
+        <p:spPr>
+          <a:xfrm>
+            <a:off x="2251968" y="2292350"/>
+            <a:ext cx="7315200" cy="4200525"/>
+          </a:xfrm>
+          <a:prstGeom prst="rect">
+            <a:avLst/>
+          </a:prstGeom>
+        </p:spPr>
+      </p:pic>
     </p:spTree>
     <p:extLst>
       <p:ext uri="{BB962C8B-B14F-4D97-AF65-F5344CB8AC3E}">
@@ -3861,6 +3899,36 @@
           </a:p>
         </p:txBody>
       </p:sp>
+      <p:pic>
+        <p:nvPicPr>
+          <p:cNvPr id="4" name="Picture 3">
+            <a:extLst>
+              <a:ext uri="{FF2B5EF4-FFF2-40B4-BE49-F238E27FC236}">
+                <a16:creationId xmlns:a16="http://schemas.microsoft.com/office/drawing/2014/main" id="{5AFC893D-4738-4239-BFBA-68220751B22B}"/>
+              </a:ext>
+            </a:extLst>
+          </p:cNvPr>
+          <p:cNvPicPr>
+            <a:picLocks noChangeAspect="1"/>
+          </p:cNvPicPr>
+          <p:nvPr/>
+        </p:nvPicPr>
+        <p:blipFill>
+          <a:blip r:embed="rId2"/>
+          <a:stretch>
+            <a:fillRect/>
+          </a:stretch>
+        </p:blipFill>
+        <p:spPr>
+          <a:xfrm>
+            <a:off x="3116062" y="1518455"/>
+            <a:ext cx="8328257" cy="5339545"/>
+          </a:xfrm>
+          <a:prstGeom prst="rect">
+            <a:avLst/>
+          </a:prstGeom>
+        </p:spPr>
+      </p:pic>
     </p:spTree>
     <p:extLst>
       <p:ext uri="{BB962C8B-B14F-4D97-AF65-F5344CB8AC3E}">
@@ -3896,7 +3964,7 @@
           <p:cNvPr id="2" name="标题 1">
             <a:extLst>
               <a:ext uri="{FF2B5EF4-FFF2-40B4-BE49-F238E27FC236}">
-                <a16:creationId xmlns:a16="http://schemas.microsoft.com/office/drawing/2014/main" id="{1D177E6B-FFCF-3663-4E38-F62FA8FD5446}"/>
+                <a16:creationId xmlns:a16="http://schemas.microsoft.com/office/drawing/2014/main" id="{A9AF93A4-8FB2-BB5A-F398-30929704A85A}"/>
               </a:ext>
             </a:extLst>
           </p:cNvPr>
@@ -3924,7 +3992,7 @@
           <p:cNvPr id="3" name="内容占位符 2">
             <a:extLst>
               <a:ext uri="{FF2B5EF4-FFF2-40B4-BE49-F238E27FC236}">
-                <a16:creationId xmlns:a16="http://schemas.microsoft.com/office/drawing/2014/main" id="{D09BAB96-58FD-A5E6-EEB2-F938F1F3B08E}"/>
+                <a16:creationId xmlns:a16="http://schemas.microsoft.com/office/drawing/2014/main" id="{216F40E0-684F-0C11-D3EA-150AF799F7CB}"/>
               </a:ext>
             </a:extLst>
           </p:cNvPr>
@@ -3937,540 +4005,54 @@
         </p:nvSpPr>
         <p:spPr/>
         <p:txBody>
-          <a:bodyPr>
-            <a:normAutofit/>
-          </a:bodyPr>
-          <a:lstStyle/>
-          <a:p>
-            <a:r>
-              <a:rPr kumimoji="1" lang="zh-CN" altLang="en-US"/>
-              <a:t>单因素分析与多因素分析都需要建立</a:t>
-            </a:r>
-            <a:r>
-              <a:rPr kumimoji="1" lang="en-US" altLang="zh-CN"/>
-              <a:t>logistic</a:t>
-            </a:r>
-            <a:r>
-              <a:rPr kumimoji="1" lang="zh-CN" altLang="en-US"/>
-              <a:t>回归模型</a:t>
+          <a:bodyPr/>
+          <a:lstStyle/>
+          <a:p>
+            <a:r>
+              <a:rPr kumimoji="1" lang="zh-CN" altLang="en-US"/>
+              <a:t>描述性统计</a:t>
             </a:r>
             <a:endParaRPr kumimoji="1" lang="en-US" altLang="zh-CN"/>
           </a:p>
           <a:p>
-            <a:pPr lvl="1"/>
-            <a:r>
-              <a:rPr kumimoji="1" lang="en-US" altLang="zh-CN"/>
-              <a:t>logistic</a:t>
-            </a:r>
-            <a:r>
-              <a:rPr kumimoji="1" lang="zh-CN" altLang="en-US"/>
-              <a:t>回归</a:t>
-            </a:r>
-            <a:r>
-              <a:rPr lang="zh-CN" altLang="en-US" b="0" i="0">
-                <a:solidFill>
-                  <a:srgbClr val="161616"/>
-                </a:solidFill>
-                <a:effectLst/>
-                <a:latin typeface="IBM Plex Sans" panose="020B0503050203000203" pitchFamily="34" charset="0"/>
-              </a:rPr>
-              <a:t>根据给定的自变量数据集来估计</a:t>
-            </a:r>
-            <a:r>
-              <a:rPr lang="zh-CN" altLang="en-US">
-                <a:solidFill>
-                  <a:srgbClr val="161616"/>
-                </a:solidFill>
-                <a:latin typeface="IBM Plex Sans" panose="020B0503050203000203" pitchFamily="34" charset="0"/>
-              </a:rPr>
-              <a:t>终点</a:t>
-            </a:r>
-            <a:r>
-              <a:rPr lang="zh-CN" altLang="en-US" b="0" i="0">
-                <a:solidFill>
-                  <a:srgbClr val="161616"/>
-                </a:solidFill>
-                <a:effectLst/>
-                <a:latin typeface="IBM Plex Sans" panose="020B0503050203000203" pitchFamily="34" charset="0"/>
-              </a:rPr>
-              <a:t>事件的发生概率</a:t>
-            </a:r>
-            <a:r>
-              <a:rPr lang="en-US" altLang="zh-CN" b="0" i="0">
-                <a:solidFill>
-                  <a:srgbClr val="161616"/>
-                </a:solidFill>
-                <a:effectLst/>
-                <a:latin typeface="IBM Plex Sans" panose="020B0503050203000203" pitchFamily="34" charset="0"/>
-              </a:rPr>
-              <a:t>,</a:t>
-            </a:r>
-            <a:r>
-              <a:rPr lang="zh-CN" altLang="en-US" b="0" i="0">
-                <a:solidFill>
-                  <a:srgbClr val="161616"/>
-                </a:solidFill>
-                <a:effectLst/>
-                <a:latin typeface="IBM Plex Sans" panose="020B0503050203000203" pitchFamily="34" charset="0"/>
-              </a:rPr>
-              <a:t> 即贫血改善或未改善</a:t>
-            </a:r>
-            <a:r>
-              <a:rPr lang="en-US" altLang="zh-CN" b="0" i="0">
-                <a:solidFill>
-                  <a:srgbClr val="161616"/>
-                </a:solidFill>
-                <a:effectLst/>
-                <a:latin typeface="IBM Plex Sans" panose="020B0503050203000203" pitchFamily="34" charset="0"/>
-              </a:rPr>
-              <a:t>.</a:t>
-            </a:r>
-            <a:r>
-              <a:rPr lang="zh-CN" altLang="en-US" b="0" i="0">
-                <a:solidFill>
-                  <a:srgbClr val="161616"/>
-                </a:solidFill>
-                <a:effectLst/>
-                <a:latin typeface="IBM Plex Sans" panose="020B0503050203000203" pitchFamily="34" charset="0"/>
-              </a:rPr>
-              <a:t> 由于结果是一个概率</a:t>
-            </a:r>
-            <a:r>
-              <a:rPr lang="en-US" altLang="zh-CN" b="0" i="0">
-                <a:solidFill>
-                  <a:srgbClr val="161616"/>
-                </a:solidFill>
-                <a:effectLst/>
-                <a:latin typeface="IBM Plex Sans" panose="020B0503050203000203" pitchFamily="34" charset="0"/>
-              </a:rPr>
-              <a:t>,</a:t>
-            </a:r>
-            <a:r>
-              <a:rPr lang="zh-CN" altLang="en-US" b="0" i="0">
-                <a:solidFill>
-                  <a:srgbClr val="161616"/>
-                </a:solidFill>
-                <a:effectLst/>
-                <a:latin typeface="IBM Plex Sans" panose="020B0503050203000203" pitchFamily="34" charset="0"/>
-              </a:rPr>
-              <a:t> 因此因变量的范围在 </a:t>
-            </a:r>
-            <a:r>
-              <a:rPr lang="en-US" altLang="zh-CN" b="0" i="0">
-                <a:solidFill>
-                  <a:srgbClr val="161616"/>
-                </a:solidFill>
-                <a:effectLst/>
-                <a:latin typeface="IBM Plex Sans" panose="020B0503050203000203" pitchFamily="34" charset="0"/>
-              </a:rPr>
-              <a:t>0 </a:t>
-            </a:r>
-            <a:r>
-              <a:rPr lang="zh-CN" altLang="en-US" b="0" i="0">
-                <a:solidFill>
-                  <a:srgbClr val="161616"/>
-                </a:solidFill>
-                <a:effectLst/>
-                <a:latin typeface="IBM Plex Sans" panose="020B0503050203000203" pitchFamily="34" charset="0"/>
-              </a:rPr>
-              <a:t>和 </a:t>
-            </a:r>
-            <a:r>
-              <a:rPr lang="en-US" altLang="zh-CN" b="0" i="0">
-                <a:solidFill>
-                  <a:srgbClr val="161616"/>
-                </a:solidFill>
-                <a:effectLst/>
-                <a:latin typeface="IBM Plex Sans" panose="020B0503050203000203" pitchFamily="34" charset="0"/>
-              </a:rPr>
-              <a:t>1 </a:t>
-            </a:r>
-            <a:r>
-              <a:rPr lang="zh-CN" altLang="en-US" b="0" i="0">
-                <a:solidFill>
-                  <a:srgbClr val="161616"/>
-                </a:solidFill>
-                <a:effectLst/>
-                <a:latin typeface="IBM Plex Sans" panose="020B0503050203000203" pitchFamily="34" charset="0"/>
-              </a:rPr>
-              <a:t>之间</a:t>
-            </a:r>
-            <a:r>
-              <a:rPr lang="en-US" altLang="zh-CN" b="0" i="0">
-                <a:solidFill>
-                  <a:srgbClr val="161616"/>
-                </a:solidFill>
-                <a:effectLst/>
-                <a:latin typeface="IBM Plex Sans" panose="020B0503050203000203" pitchFamily="34" charset="0"/>
-              </a:rPr>
-              <a:t>.</a:t>
-            </a:r>
-            <a:r>
-              <a:rPr lang="zh-CN" altLang="en-US" b="0" i="0">
-                <a:solidFill>
-                  <a:srgbClr val="161616"/>
-                </a:solidFill>
-                <a:effectLst/>
-                <a:latin typeface="IBM Plex Sans" panose="020B0503050203000203" pitchFamily="34" charset="0"/>
-              </a:rPr>
-              <a:t> </a:t>
-            </a:r>
-            <a:endParaRPr lang="en-US" altLang="zh-CN" b="0" i="0">
-              <a:solidFill>
-                <a:srgbClr val="161616"/>
-              </a:solidFill>
-              <a:effectLst/>
-              <a:latin typeface="IBM Plex Sans" panose="020B0503050203000203" pitchFamily="34" charset="0"/>
-            </a:endParaRPr>
-          </a:p>
-          <a:p>
-            <a:pPr lvl="1"/>
-            <a:r>
-              <a:rPr kumimoji="1" lang="en-US" altLang="zh-CN">
-                <a:solidFill>
-                  <a:srgbClr val="161616"/>
-                </a:solidFill>
-                <a:latin typeface="IBM Plex Sans" panose="020B0503050203000203" pitchFamily="34" charset="0"/>
-              </a:rPr>
-              <a:t>logistic</a:t>
-            </a:r>
-            <a:r>
-              <a:rPr kumimoji="1" lang="zh-CN" altLang="en-US">
-                <a:solidFill>
-                  <a:srgbClr val="161616"/>
-                </a:solidFill>
-                <a:latin typeface="IBM Plex Sans" panose="020B0503050203000203" pitchFamily="34" charset="0"/>
-              </a:rPr>
-              <a:t>回归的系数需要转被换为优势比</a:t>
-            </a:r>
-            <a:r>
-              <a:rPr kumimoji="1" lang="en-US" altLang="zh-CN">
-                <a:solidFill>
-                  <a:srgbClr val="161616"/>
-                </a:solidFill>
-                <a:latin typeface="IBM Plex Sans" panose="020B0503050203000203" pitchFamily="34" charset="0"/>
-              </a:rPr>
-              <a:t>Odds</a:t>
-            </a:r>
-            <a:r>
-              <a:rPr kumimoji="1" lang="zh-CN" altLang="en-US">
-                <a:solidFill>
-                  <a:srgbClr val="161616"/>
-                </a:solidFill>
-                <a:latin typeface="IBM Plex Sans" panose="020B0503050203000203" pitchFamily="34" charset="0"/>
-              </a:rPr>
-              <a:t> </a:t>
-            </a:r>
-            <a:r>
-              <a:rPr kumimoji="1" lang="en-US" altLang="zh-CN">
-                <a:solidFill>
-                  <a:srgbClr val="161616"/>
-                </a:solidFill>
-                <a:latin typeface="IBM Plex Sans" panose="020B0503050203000203" pitchFamily="34" charset="0"/>
-              </a:rPr>
-              <a:t>Ratio</a:t>
-            </a:r>
-            <a:r>
-              <a:rPr kumimoji="1" lang="zh-CN" altLang="en-US">
-                <a:solidFill>
-                  <a:srgbClr val="161616"/>
-                </a:solidFill>
-                <a:latin typeface="IBM Plex Sans" panose="020B0503050203000203" pitchFamily="34" charset="0"/>
-              </a:rPr>
-              <a:t> </a:t>
-            </a:r>
-            <a:r>
-              <a:rPr kumimoji="1" lang="en-US" altLang="zh-CN">
-                <a:solidFill>
-                  <a:srgbClr val="161616"/>
-                </a:solidFill>
-                <a:latin typeface="IBM Plex Sans" panose="020B0503050203000203" pitchFamily="34" charset="0"/>
-              </a:rPr>
-              <a:t>(OR)</a:t>
-            </a:r>
-            <a:r>
-              <a:rPr kumimoji="1" lang="zh-CN" altLang="en-US">
-                <a:solidFill>
-                  <a:srgbClr val="161616"/>
-                </a:solidFill>
-                <a:latin typeface="IBM Plex Sans" panose="020B0503050203000203" pitchFamily="34" charset="0"/>
-              </a:rPr>
-              <a:t>来解释</a:t>
-            </a:r>
-            <a:r>
-              <a:rPr kumimoji="1" lang="en-US" altLang="zh-CN">
-                <a:solidFill>
-                  <a:srgbClr val="161616"/>
-                </a:solidFill>
-                <a:latin typeface="IBM Plex Sans" panose="020B0503050203000203" pitchFamily="34" charset="0"/>
-              </a:rPr>
-              <a:t>.</a:t>
-            </a:r>
-            <a:r>
-              <a:rPr kumimoji="1" lang="zh-CN" altLang="en-US">
-                <a:solidFill>
-                  <a:srgbClr val="161616"/>
-                </a:solidFill>
-                <a:latin typeface="IBM Plex Sans" panose="020B0503050203000203" pitchFamily="34" charset="0"/>
-              </a:rPr>
-              <a:t> </a:t>
-            </a:r>
-            <a:endParaRPr kumimoji="1" lang="en-US" altLang="zh-CN">
-              <a:solidFill>
-                <a:srgbClr val="161616"/>
-              </a:solidFill>
-              <a:latin typeface="IBM Plex Sans" panose="020B0503050203000203" pitchFamily="34" charset="0"/>
-            </a:endParaRPr>
-          </a:p>
-          <a:p>
-            <a:pPr lvl="1"/>
-            <a:r>
-              <a:rPr lang="en" altLang="zh-CN" b="0" i="0">
-                <a:solidFill>
-                  <a:srgbClr val="161616"/>
-                </a:solidFill>
-                <a:effectLst/>
-                <a:latin typeface="IBM Plex Sans" panose="020B0503050203000203" pitchFamily="34" charset="0"/>
-              </a:rPr>
-              <a:t>OR </a:t>
-            </a:r>
-            <a:r>
-              <a:rPr lang="zh-CN" altLang="en-US" b="0" i="0">
-                <a:solidFill>
-                  <a:srgbClr val="161616"/>
-                </a:solidFill>
-                <a:effectLst/>
-                <a:latin typeface="IBM Plex Sans" panose="020B0503050203000203" pitchFamily="34" charset="0"/>
-              </a:rPr>
-              <a:t>表示与未发生特定事件时出现结果的几率相比</a:t>
-            </a:r>
-            <a:r>
-              <a:rPr lang="en-US" altLang="zh-CN" b="0" i="0">
-                <a:solidFill>
-                  <a:srgbClr val="161616"/>
-                </a:solidFill>
-                <a:effectLst/>
-                <a:latin typeface="IBM Plex Sans" panose="020B0503050203000203" pitchFamily="34" charset="0"/>
-              </a:rPr>
-              <a:t>,</a:t>
-            </a:r>
-            <a:r>
-              <a:rPr lang="zh-CN" altLang="en-US" b="0" i="0">
-                <a:solidFill>
-                  <a:srgbClr val="161616"/>
-                </a:solidFill>
-                <a:effectLst/>
-                <a:latin typeface="IBM Plex Sans" panose="020B0503050203000203" pitchFamily="34" charset="0"/>
-              </a:rPr>
-              <a:t> 发生该事件时产生结果的几率</a:t>
-            </a:r>
-            <a:r>
-              <a:rPr lang="en-US" altLang="zh-CN" b="0" i="0">
-                <a:solidFill>
-                  <a:srgbClr val="161616"/>
-                </a:solidFill>
-                <a:effectLst/>
-                <a:latin typeface="IBM Plex Sans" panose="020B0503050203000203" pitchFamily="34" charset="0"/>
-              </a:rPr>
-              <a:t>.</a:t>
-            </a:r>
-            <a:r>
-              <a:rPr lang="zh-CN" altLang="en-US" b="0" i="0">
-                <a:solidFill>
-                  <a:srgbClr val="161616"/>
-                </a:solidFill>
-                <a:effectLst/>
-                <a:latin typeface="IBM Plex Sans" panose="020B0503050203000203" pitchFamily="34" charset="0"/>
-              </a:rPr>
-              <a:t> </a:t>
-            </a:r>
-            <a:endParaRPr lang="en-US" altLang="zh-CN" b="0" i="0">
-              <a:solidFill>
-                <a:srgbClr val="161616"/>
-              </a:solidFill>
-              <a:effectLst/>
-              <a:latin typeface="IBM Plex Sans" panose="020B0503050203000203" pitchFamily="34" charset="0"/>
-            </a:endParaRPr>
-          </a:p>
-          <a:p>
-            <a:pPr lvl="1"/>
-            <a:r>
-              <a:rPr lang="zh-CN" altLang="en-US" b="0" i="0">
-                <a:solidFill>
-                  <a:srgbClr val="161616"/>
-                </a:solidFill>
-                <a:effectLst/>
-                <a:latin typeface="IBM Plex Sans" panose="020B0503050203000203" pitchFamily="34" charset="0"/>
-              </a:rPr>
-              <a:t>如果 </a:t>
-            </a:r>
-            <a:r>
-              <a:rPr lang="en" altLang="zh-CN" b="0" i="0">
-                <a:solidFill>
-                  <a:srgbClr val="161616"/>
-                </a:solidFill>
-                <a:effectLst/>
-                <a:latin typeface="IBM Plex Sans" panose="020B0503050203000203" pitchFamily="34" charset="0"/>
-              </a:rPr>
-              <a:t>OR </a:t>
-            </a:r>
-            <a:r>
-              <a:rPr lang="zh-CN" altLang="en-US" b="0" i="0">
-                <a:solidFill>
-                  <a:srgbClr val="161616"/>
-                </a:solidFill>
-                <a:effectLst/>
-                <a:latin typeface="IBM Plex Sans" panose="020B0503050203000203" pitchFamily="34" charset="0"/>
-              </a:rPr>
-              <a:t>大于 </a:t>
-            </a:r>
-            <a:r>
-              <a:rPr lang="en-US" altLang="zh-CN">
-                <a:solidFill>
-                  <a:srgbClr val="161616"/>
-                </a:solidFill>
-                <a:latin typeface="IBM Plex Sans" panose="020B0503050203000203" pitchFamily="34" charset="0"/>
-              </a:rPr>
-              <a:t>1,</a:t>
-            </a:r>
-            <a:r>
-              <a:rPr lang="zh-CN" altLang="en-US">
-                <a:solidFill>
-                  <a:srgbClr val="161616"/>
-                </a:solidFill>
-                <a:latin typeface="IBM Plex Sans" panose="020B0503050203000203" pitchFamily="34" charset="0"/>
-              </a:rPr>
-              <a:t>  </a:t>
-            </a:r>
-            <a:r>
-              <a:rPr lang="zh-CN" altLang="en-US" b="0" i="0">
-                <a:solidFill>
-                  <a:srgbClr val="161616"/>
-                </a:solidFill>
-                <a:effectLst/>
-                <a:latin typeface="IBM Plex Sans" panose="020B0503050203000203" pitchFamily="34" charset="0"/>
-              </a:rPr>
-              <a:t>那么患者贫血状态改善的几率较高</a:t>
-            </a:r>
-            <a:r>
-              <a:rPr lang="en-US" altLang="zh-CN" b="0" i="0">
-                <a:solidFill>
-                  <a:srgbClr val="161616"/>
-                </a:solidFill>
-                <a:effectLst/>
-                <a:latin typeface="IBM Plex Sans" panose="020B0503050203000203" pitchFamily="34" charset="0"/>
-              </a:rPr>
-              <a:t>.</a:t>
-            </a:r>
-            <a:r>
-              <a:rPr lang="zh-CN" altLang="en-US" b="0" i="0">
-                <a:solidFill>
-                  <a:srgbClr val="161616"/>
-                </a:solidFill>
-                <a:effectLst/>
-                <a:latin typeface="IBM Plex Sans" panose="020B0503050203000203" pitchFamily="34" charset="0"/>
-              </a:rPr>
-              <a:t>  反之</a:t>
-            </a:r>
-            <a:r>
-              <a:rPr lang="en-US" altLang="zh-CN" b="0" i="0">
-                <a:solidFill>
-                  <a:srgbClr val="161616"/>
-                </a:solidFill>
-                <a:effectLst/>
-                <a:latin typeface="IBM Plex Sans" panose="020B0503050203000203" pitchFamily="34" charset="0"/>
-              </a:rPr>
-              <a:t>,</a:t>
-            </a:r>
-            <a:r>
-              <a:rPr lang="zh-CN" altLang="en-US" b="0" i="0">
-                <a:solidFill>
-                  <a:srgbClr val="161616"/>
-                </a:solidFill>
-                <a:effectLst/>
-                <a:latin typeface="IBM Plex Sans" panose="020B0503050203000203" pitchFamily="34" charset="0"/>
-              </a:rPr>
-              <a:t> 如果 </a:t>
-            </a:r>
-            <a:r>
-              <a:rPr lang="en" altLang="zh-CN" b="0" i="0">
-                <a:solidFill>
-                  <a:srgbClr val="161616"/>
-                </a:solidFill>
-                <a:effectLst/>
-                <a:latin typeface="IBM Plex Sans" panose="020B0503050203000203" pitchFamily="34" charset="0"/>
-              </a:rPr>
-              <a:t>OR </a:t>
-            </a:r>
-            <a:r>
-              <a:rPr lang="zh-CN" altLang="en-US" b="0" i="0">
-                <a:solidFill>
-                  <a:srgbClr val="161616"/>
-                </a:solidFill>
-                <a:effectLst/>
-                <a:latin typeface="IBM Plex Sans" panose="020B0503050203000203" pitchFamily="34" charset="0"/>
-              </a:rPr>
-              <a:t>小于 </a:t>
-            </a:r>
-            <a:r>
-              <a:rPr lang="en-US" altLang="zh-CN" b="0" i="0">
-                <a:solidFill>
-                  <a:srgbClr val="161616"/>
-                </a:solidFill>
-                <a:effectLst/>
-                <a:latin typeface="IBM Plex Sans" panose="020B0503050203000203" pitchFamily="34" charset="0"/>
-              </a:rPr>
-              <a:t>1</a:t>
-            </a:r>
-            <a:r>
-              <a:rPr lang="en-US" altLang="zh-CN">
-                <a:solidFill>
-                  <a:srgbClr val="161616"/>
-                </a:solidFill>
-                <a:latin typeface="IBM Plex Sans" panose="020B0503050203000203" pitchFamily="34" charset="0"/>
-              </a:rPr>
-              <a:t>,</a:t>
-            </a:r>
-            <a:r>
-              <a:rPr lang="zh-CN" altLang="en-US">
-                <a:solidFill>
-                  <a:srgbClr val="161616"/>
-                </a:solidFill>
-                <a:latin typeface="IBM Plex Sans" panose="020B0503050203000203" pitchFamily="34" charset="0"/>
-              </a:rPr>
-              <a:t> </a:t>
-            </a:r>
-            <a:r>
-              <a:rPr lang="zh-CN" altLang="en-US" b="0" i="0">
-                <a:solidFill>
-                  <a:srgbClr val="161616"/>
-                </a:solidFill>
-                <a:effectLst/>
-                <a:latin typeface="IBM Plex Sans" panose="020B0503050203000203" pitchFamily="34" charset="0"/>
-              </a:rPr>
-              <a:t>那么贫血改善的几率较低</a:t>
-            </a:r>
-            <a:r>
-              <a:rPr lang="en-US" altLang="zh-CN" b="0" i="0">
-                <a:solidFill>
-                  <a:srgbClr val="161616"/>
-                </a:solidFill>
-                <a:effectLst/>
-                <a:latin typeface="IBM Plex Sans" panose="020B0503050203000203" pitchFamily="34" charset="0"/>
-              </a:rPr>
-              <a:t>.</a:t>
-            </a:r>
-            <a:endParaRPr kumimoji="1" lang="en-US" altLang="zh-CN"/>
-          </a:p>
-          <a:p>
             <a:endParaRPr kumimoji="1" lang="zh-CN" altLang="en-US"/>
           </a:p>
         </p:txBody>
       </p:sp>
+      <p:pic>
+        <p:nvPicPr>
+          <p:cNvPr id="5" name="Picture 4">
+            <a:extLst>
+              <a:ext uri="{FF2B5EF4-FFF2-40B4-BE49-F238E27FC236}">
+                <a16:creationId xmlns:a16="http://schemas.microsoft.com/office/drawing/2014/main" id="{58779253-B3B9-4DD9-AFC3-FEACE489921E}"/>
+              </a:ext>
+            </a:extLst>
+          </p:cNvPr>
+          <p:cNvPicPr>
+            <a:picLocks noChangeAspect="1"/>
+          </p:cNvPicPr>
+          <p:nvPr/>
+        </p:nvPicPr>
+        <p:blipFill>
+          <a:blip r:embed="rId2"/>
+          <a:stretch>
+            <a:fillRect/>
+          </a:stretch>
+        </p:blipFill>
+        <p:spPr>
+          <a:xfrm>
+            <a:off x="4998129" y="732505"/>
+            <a:ext cx="7121574" cy="5760370"/>
+          </a:xfrm>
+          <a:prstGeom prst="rect">
+            <a:avLst/>
+          </a:prstGeom>
+        </p:spPr>
+      </p:pic>
     </p:spTree>
     <p:extLst>
       <p:ext uri="{BB962C8B-B14F-4D97-AF65-F5344CB8AC3E}">
-        <p14:creationId xmlns:p14="http://schemas.microsoft.com/office/powerpoint/2010/main" val="3266708432"/>
+        <p14:creationId xmlns:p14="http://schemas.microsoft.com/office/powerpoint/2010/main" val="777198738"/>
       </p:ext>
     </p:extLst>
   </p:cSld>
@@ -4502,7 +4084,7 @@
           <p:cNvPr id="2" name="标题 1">
             <a:extLst>
               <a:ext uri="{FF2B5EF4-FFF2-40B4-BE49-F238E27FC236}">
-                <a16:creationId xmlns:a16="http://schemas.microsoft.com/office/drawing/2014/main" id="{B09A1D58-5C41-562F-3129-9A7F2541B979}"/>
+                <a16:creationId xmlns:a16="http://schemas.microsoft.com/office/drawing/2014/main" id="{1D177E6B-FFCF-3663-4E38-F62FA8FD5446}"/>
               </a:ext>
             </a:extLst>
           </p:cNvPr>
@@ -4530,7 +4112,7 @@
           <p:cNvPr id="3" name="内容占位符 2">
             <a:extLst>
               <a:ext uri="{FF2B5EF4-FFF2-40B4-BE49-F238E27FC236}">
-                <a16:creationId xmlns:a16="http://schemas.microsoft.com/office/drawing/2014/main" id="{2B3239B2-1E51-7A08-8B18-82847FBC0C7B}"/>
+                <a16:creationId xmlns:a16="http://schemas.microsoft.com/office/drawing/2014/main" id="{D09BAB96-58FD-A5E6-EEB2-F938F1F3B08E}"/>
               </a:ext>
             </a:extLst>
           </p:cNvPr>
@@ -4543,323 +4125,528 @@
         </p:nvSpPr>
         <p:spPr/>
         <p:txBody>
-          <a:bodyPr/>
-          <a:lstStyle/>
-          <a:p>
-            <a:r>
-              <a:rPr kumimoji="1" lang="zh-CN" altLang="en-US"/>
-              <a:t>单因素分析</a:t>
-            </a:r>
-            <a:r>
-              <a:rPr kumimoji="1" lang="en-US" altLang="zh-CN"/>
-              <a:t>:</a:t>
-            </a:r>
-            <a:r>
-              <a:rPr kumimoji="1" lang="zh-CN" altLang="en-US"/>
-              <a:t> 单次只考察一个变量与终点事件 </a:t>
-            </a:r>
-            <a:r>
-              <a:rPr kumimoji="1" lang="en-US" altLang="zh-CN"/>
-              <a:t>(</a:t>
-            </a:r>
-            <a:r>
-              <a:rPr kumimoji="1" lang="zh-CN" altLang="en-US"/>
-              <a:t>贫血改善</a:t>
-            </a:r>
-            <a:r>
-              <a:rPr kumimoji="1" lang="en-US" altLang="zh-CN"/>
-              <a:t>/</a:t>
-            </a:r>
-            <a:r>
-              <a:rPr kumimoji="1" lang="zh-CN" altLang="en-US"/>
-              <a:t>未改善</a:t>
-            </a:r>
-            <a:r>
-              <a:rPr kumimoji="1" lang="en-US" altLang="zh-CN"/>
-              <a:t>)</a:t>
-            </a:r>
-            <a:r>
-              <a:rPr kumimoji="1" lang="zh-CN" altLang="en-US"/>
-              <a:t> 的关系</a:t>
+          <a:bodyPr>
+            <a:normAutofit/>
+          </a:bodyPr>
+          <a:lstStyle/>
+          <a:p>
+            <a:r>
+              <a:rPr kumimoji="1" lang="zh-CN" altLang="en-US"/>
+              <a:t>单因素分析与多因素分析都需要建立</a:t>
+            </a:r>
+            <a:r>
+              <a:rPr kumimoji="1" lang="en-US" altLang="zh-CN"/>
+              <a:t>logistic</a:t>
+            </a:r>
+            <a:r>
+              <a:rPr kumimoji="1" lang="zh-CN" altLang="en-US"/>
+              <a:t>回归模型</a:t>
             </a:r>
             <a:endParaRPr kumimoji="1" lang="en-US" altLang="zh-CN"/>
           </a:p>
           <a:p>
             <a:pPr lvl="1"/>
             <a:r>
-              <a:rPr kumimoji="1" lang="zh-CN" altLang="en-US"/>
-              <a:t>因此和描述性统计类似</a:t>
-            </a:r>
-            <a:r>
-              <a:rPr kumimoji="1" lang="en-US" altLang="zh-CN"/>
+              <a:rPr kumimoji="1" lang="en-US" altLang="zh-CN"/>
+              <a:t>logistic</a:t>
+            </a:r>
+            <a:r>
+              <a:rPr kumimoji="1" lang="zh-CN" altLang="en-US"/>
+              <a:t>回归</a:t>
+            </a:r>
+            <a:r>
+              <a:rPr lang="zh-CN" altLang="en-US" b="0" i="0">
+                <a:solidFill>
+                  <a:srgbClr val="161616"/>
+                </a:solidFill>
+                <a:effectLst/>
+                <a:latin typeface="IBM Plex Sans" panose="020B0503050203000203" pitchFamily="34" charset="0"/>
+              </a:rPr>
+              <a:t>根据给定的自变量数据集来估计</a:t>
+            </a:r>
+            <a:r>
+              <a:rPr lang="zh-CN" altLang="en-US">
+                <a:solidFill>
+                  <a:srgbClr val="161616"/>
+                </a:solidFill>
+                <a:latin typeface="IBM Plex Sans" panose="020B0503050203000203" pitchFamily="34" charset="0"/>
+              </a:rPr>
+              <a:t>终点</a:t>
+            </a:r>
+            <a:r>
+              <a:rPr lang="zh-CN" altLang="en-US" b="0" i="0">
+                <a:solidFill>
+                  <a:srgbClr val="161616"/>
+                </a:solidFill>
+                <a:effectLst/>
+                <a:latin typeface="IBM Plex Sans" panose="020B0503050203000203" pitchFamily="34" charset="0"/>
+              </a:rPr>
+              <a:t>事件的发生概率</a:t>
+            </a:r>
+            <a:r>
+              <a:rPr lang="en-US" altLang="zh-CN" b="0" i="0">
+                <a:solidFill>
+                  <a:srgbClr val="161616"/>
+                </a:solidFill>
+                <a:effectLst/>
+                <a:latin typeface="IBM Plex Sans" panose="020B0503050203000203" pitchFamily="34" charset="0"/>
+              </a:rPr>
               <a:t>,</a:t>
             </a:r>
             <a:r>
-              <a:rPr kumimoji="1" lang="zh-CN" altLang="en-US"/>
-              <a:t> 分别构建了</a:t>
-            </a:r>
-            <a:r>
-              <a:rPr kumimoji="1" lang="en-US" altLang="zh-CN"/>
-              <a:t>16</a:t>
-            </a:r>
-            <a:r>
-              <a:rPr kumimoji="1" lang="zh-CN" altLang="en-US"/>
-              <a:t>个单因素</a:t>
-            </a:r>
-            <a:r>
-              <a:rPr kumimoji="1" lang="en-US" altLang="zh-CN"/>
+              <a:rPr lang="zh-CN" altLang="en-US" b="0" i="0">
+                <a:solidFill>
+                  <a:srgbClr val="161616"/>
+                </a:solidFill>
+                <a:effectLst/>
+                <a:latin typeface="IBM Plex Sans" panose="020B0503050203000203" pitchFamily="34" charset="0"/>
+              </a:rPr>
+              <a:t> 即贫血改善或未改善</a:t>
+            </a:r>
+            <a:r>
+              <a:rPr lang="en-US" altLang="zh-CN" b="0" i="0">
+                <a:solidFill>
+                  <a:srgbClr val="161616"/>
+                </a:solidFill>
+                <a:effectLst/>
+                <a:latin typeface="IBM Plex Sans" panose="020B0503050203000203" pitchFamily="34" charset="0"/>
+              </a:rPr>
+              <a:t>.</a:t>
+            </a:r>
+            <a:r>
+              <a:rPr lang="zh-CN" altLang="en-US" b="0" i="0">
+                <a:solidFill>
+                  <a:srgbClr val="161616"/>
+                </a:solidFill>
+                <a:effectLst/>
+                <a:latin typeface="IBM Plex Sans" panose="020B0503050203000203" pitchFamily="34" charset="0"/>
+              </a:rPr>
+              <a:t> 由于结果是一个概率</a:t>
+            </a:r>
+            <a:r>
+              <a:rPr lang="en-US" altLang="zh-CN" b="0" i="0">
+                <a:solidFill>
+                  <a:srgbClr val="161616"/>
+                </a:solidFill>
+                <a:effectLst/>
+                <a:latin typeface="IBM Plex Sans" panose="020B0503050203000203" pitchFamily="34" charset="0"/>
+              </a:rPr>
+              <a:t>,</a:t>
+            </a:r>
+            <a:r>
+              <a:rPr lang="zh-CN" altLang="en-US" b="0" i="0">
+                <a:solidFill>
+                  <a:srgbClr val="161616"/>
+                </a:solidFill>
+                <a:effectLst/>
+                <a:latin typeface="IBM Plex Sans" panose="020B0503050203000203" pitchFamily="34" charset="0"/>
+              </a:rPr>
+              <a:t> 因此因变量的范围在 </a:t>
+            </a:r>
+            <a:r>
+              <a:rPr lang="en-US" altLang="zh-CN" b="0" i="0">
+                <a:solidFill>
+                  <a:srgbClr val="161616"/>
+                </a:solidFill>
+                <a:effectLst/>
+                <a:latin typeface="IBM Plex Sans" panose="020B0503050203000203" pitchFamily="34" charset="0"/>
+              </a:rPr>
+              <a:t>0 </a:t>
+            </a:r>
+            <a:r>
+              <a:rPr lang="zh-CN" altLang="en-US" b="0" i="0">
+                <a:solidFill>
+                  <a:srgbClr val="161616"/>
+                </a:solidFill>
+                <a:effectLst/>
+                <a:latin typeface="IBM Plex Sans" panose="020B0503050203000203" pitchFamily="34" charset="0"/>
+              </a:rPr>
+              <a:t>和 </a:t>
+            </a:r>
+            <a:r>
+              <a:rPr lang="en-US" altLang="zh-CN" b="0" i="0">
+                <a:solidFill>
+                  <a:srgbClr val="161616"/>
+                </a:solidFill>
+                <a:effectLst/>
+                <a:latin typeface="IBM Plex Sans" panose="020B0503050203000203" pitchFamily="34" charset="0"/>
+              </a:rPr>
+              <a:t>1 </a:t>
+            </a:r>
+            <a:r>
+              <a:rPr lang="zh-CN" altLang="en-US" b="0" i="0">
+                <a:solidFill>
+                  <a:srgbClr val="161616"/>
+                </a:solidFill>
+                <a:effectLst/>
+                <a:latin typeface="IBM Plex Sans" panose="020B0503050203000203" pitchFamily="34" charset="0"/>
+              </a:rPr>
+              <a:t>之间</a:t>
+            </a:r>
+            <a:r>
+              <a:rPr lang="en-US" altLang="zh-CN" b="0" i="0">
+                <a:solidFill>
+                  <a:srgbClr val="161616"/>
+                </a:solidFill>
+                <a:effectLst/>
+                <a:latin typeface="IBM Plex Sans" panose="020B0503050203000203" pitchFamily="34" charset="0"/>
+              </a:rPr>
+              <a:t>.</a:t>
+            </a:r>
+            <a:r>
+              <a:rPr lang="zh-CN" altLang="en-US" b="0" i="0">
+                <a:solidFill>
+                  <a:srgbClr val="161616"/>
+                </a:solidFill>
+                <a:effectLst/>
+                <a:latin typeface="IBM Plex Sans" panose="020B0503050203000203" pitchFamily="34" charset="0"/>
+              </a:rPr>
+              <a:t> </a:t>
+            </a:r>
+            <a:endParaRPr lang="en-US" altLang="zh-CN" b="0" i="0">
+              <a:solidFill>
+                <a:srgbClr val="161616"/>
+              </a:solidFill>
+              <a:effectLst/>
+              <a:latin typeface="IBM Plex Sans" panose="020B0503050203000203" pitchFamily="34" charset="0"/>
+            </a:endParaRPr>
+          </a:p>
+          <a:p>
+            <a:pPr lvl="1"/>
+            <a:r>
+              <a:rPr kumimoji="1" lang="en-US" altLang="zh-CN">
+                <a:solidFill>
+                  <a:srgbClr val="161616"/>
+                </a:solidFill>
+                <a:latin typeface="IBM Plex Sans" panose="020B0503050203000203" pitchFamily="34" charset="0"/>
+              </a:rPr>
               <a:t>logistic</a:t>
             </a:r>
             <a:r>
-              <a:rPr kumimoji="1" lang="zh-CN" altLang="en-US"/>
-              <a:t>回归分析模型</a:t>
-            </a:r>
-            <a:r>
-              <a:rPr kumimoji="1" lang="en-US" altLang="zh-CN"/>
+              <a:rPr kumimoji="1" lang="zh-CN" altLang="en-US">
+                <a:solidFill>
+                  <a:srgbClr val="161616"/>
+                </a:solidFill>
+                <a:latin typeface="IBM Plex Sans" panose="020B0503050203000203" pitchFamily="34" charset="0"/>
+              </a:rPr>
+              <a:t>回归的系数需要转被换为优势比</a:t>
+            </a:r>
+            <a:r>
+              <a:rPr kumimoji="1" lang="en-US" altLang="zh-CN">
+                <a:solidFill>
+                  <a:srgbClr val="161616"/>
+                </a:solidFill>
+                <a:latin typeface="IBM Plex Sans" panose="020B0503050203000203" pitchFamily="34" charset="0"/>
+              </a:rPr>
+              <a:t>Odds</a:t>
+            </a:r>
+            <a:r>
+              <a:rPr kumimoji="1" lang="zh-CN" altLang="en-US">
+                <a:solidFill>
+                  <a:srgbClr val="161616"/>
+                </a:solidFill>
+                <a:latin typeface="IBM Plex Sans" panose="020B0503050203000203" pitchFamily="34" charset="0"/>
+              </a:rPr>
+              <a:t> </a:t>
+            </a:r>
+            <a:r>
+              <a:rPr kumimoji="1" lang="en-US" altLang="zh-CN">
+                <a:solidFill>
+                  <a:srgbClr val="161616"/>
+                </a:solidFill>
+                <a:latin typeface="IBM Plex Sans" panose="020B0503050203000203" pitchFamily="34" charset="0"/>
+              </a:rPr>
+              <a:t>Ratio</a:t>
+            </a:r>
+            <a:r>
+              <a:rPr kumimoji="1" lang="zh-CN" altLang="en-US">
+                <a:solidFill>
+                  <a:srgbClr val="161616"/>
+                </a:solidFill>
+                <a:latin typeface="IBM Plex Sans" panose="020B0503050203000203" pitchFamily="34" charset="0"/>
+              </a:rPr>
+              <a:t> </a:t>
+            </a:r>
+            <a:r>
+              <a:rPr kumimoji="1" lang="en-US" altLang="zh-CN">
+                <a:solidFill>
+                  <a:srgbClr val="161616"/>
+                </a:solidFill>
+                <a:latin typeface="IBM Plex Sans" panose="020B0503050203000203" pitchFamily="34" charset="0"/>
+              </a:rPr>
+              <a:t>(OR)</a:t>
+            </a:r>
+            <a:r>
+              <a:rPr kumimoji="1" lang="zh-CN" altLang="en-US">
+                <a:solidFill>
+                  <a:srgbClr val="161616"/>
+                </a:solidFill>
+                <a:latin typeface="IBM Plex Sans" panose="020B0503050203000203" pitchFamily="34" charset="0"/>
+              </a:rPr>
+              <a:t>来解释</a:t>
+            </a:r>
+            <a:r>
+              <a:rPr kumimoji="1" lang="en-US" altLang="zh-CN">
+                <a:solidFill>
+                  <a:srgbClr val="161616"/>
+                </a:solidFill>
+                <a:latin typeface="IBM Plex Sans" panose="020B0503050203000203" pitchFamily="34" charset="0"/>
+              </a:rPr>
               <a:t>.</a:t>
             </a:r>
             <a:r>
-              <a:rPr kumimoji="1" lang="zh-CN" altLang="en-US"/>
+              <a:rPr kumimoji="1" lang="zh-CN" altLang="en-US">
+                <a:solidFill>
+                  <a:srgbClr val="161616"/>
+                </a:solidFill>
+                <a:latin typeface="IBM Plex Sans" panose="020B0503050203000203" pitchFamily="34" charset="0"/>
+              </a:rPr>
               <a:t> </a:t>
             </a:r>
-            <a:endParaRPr kumimoji="1" lang="en-US" altLang="zh-CN"/>
+            <a:endParaRPr kumimoji="1" lang="en-US" altLang="zh-CN">
+              <a:solidFill>
+                <a:srgbClr val="161616"/>
+              </a:solidFill>
+              <a:latin typeface="IBM Plex Sans" panose="020B0503050203000203" pitchFamily="34" charset="0"/>
+            </a:endParaRPr>
           </a:p>
           <a:p>
             <a:pPr lvl="1"/>
             <a:r>
-              <a:rPr kumimoji="1" lang="zh-CN" altLang="en-US"/>
-              <a:t>单因素分析中</a:t>
-            </a:r>
-            <a:r>
-              <a:rPr kumimoji="1" lang="en-US" altLang="zh-CN"/>
+              <a:rPr lang="en" altLang="zh-CN" b="0" i="0">
+                <a:solidFill>
+                  <a:srgbClr val="161616"/>
+                </a:solidFill>
+                <a:effectLst/>
+                <a:latin typeface="IBM Plex Sans" panose="020B0503050203000203" pitchFamily="34" charset="0"/>
+              </a:rPr>
+              <a:t>OR </a:t>
+            </a:r>
+            <a:r>
+              <a:rPr lang="zh-CN" altLang="en-US" b="0" i="0">
+                <a:solidFill>
+                  <a:srgbClr val="161616"/>
+                </a:solidFill>
+                <a:effectLst/>
+                <a:latin typeface="IBM Plex Sans" panose="020B0503050203000203" pitchFamily="34" charset="0"/>
+              </a:rPr>
+              <a:t>表示与未发生特定事件时出现结果的几率相比</a:t>
+            </a:r>
+            <a:r>
+              <a:rPr lang="en-US" altLang="zh-CN" b="0" i="0">
+                <a:solidFill>
+                  <a:srgbClr val="161616"/>
+                </a:solidFill>
+                <a:effectLst/>
+                <a:latin typeface="IBM Plex Sans" panose="020B0503050203000203" pitchFamily="34" charset="0"/>
+              </a:rPr>
               <a:t>,</a:t>
             </a:r>
             <a:r>
-              <a:rPr kumimoji="1" lang="zh-CN" altLang="en-US"/>
-              <a:t> 系数的</a:t>
-            </a:r>
-            <a:r>
-              <a:rPr kumimoji="1" lang="en-US" altLang="zh-CN"/>
-              <a:t>p&lt;0.25</a:t>
-            </a:r>
-            <a:r>
-              <a:rPr kumimoji="1" lang="zh-CN" altLang="en-US"/>
-              <a:t>视为显著</a:t>
-            </a:r>
-            <a:r>
-              <a:rPr kumimoji="1" lang="en-US" altLang="zh-CN"/>
+              <a:rPr lang="zh-CN" altLang="en-US" b="0" i="0">
+                <a:solidFill>
+                  <a:srgbClr val="161616"/>
+                </a:solidFill>
+                <a:effectLst/>
+                <a:latin typeface="IBM Plex Sans" panose="020B0503050203000203" pitchFamily="34" charset="0"/>
+              </a:rPr>
+              <a:t> 发生该事件时产生结果的几率</a:t>
+            </a:r>
+            <a:r>
+              <a:rPr lang="en-US" altLang="zh-CN" b="0" i="0">
+                <a:solidFill>
+                  <a:srgbClr val="161616"/>
+                </a:solidFill>
+                <a:effectLst/>
+                <a:latin typeface="IBM Plex Sans" panose="020B0503050203000203" pitchFamily="34" charset="0"/>
+              </a:rPr>
+              <a:t>.</a:t>
+            </a:r>
+            <a:r>
+              <a:rPr lang="zh-CN" altLang="en-US" b="0" i="0">
+                <a:solidFill>
+                  <a:srgbClr val="161616"/>
+                </a:solidFill>
+                <a:effectLst/>
+                <a:latin typeface="IBM Plex Sans" panose="020B0503050203000203" pitchFamily="34" charset="0"/>
+              </a:rPr>
+              <a:t> </a:t>
+            </a:r>
+            <a:endParaRPr lang="en-US" altLang="zh-CN" b="0" i="0">
+              <a:solidFill>
+                <a:srgbClr val="161616"/>
+              </a:solidFill>
+              <a:effectLst/>
+              <a:latin typeface="IBM Plex Sans" panose="020B0503050203000203" pitchFamily="34" charset="0"/>
+            </a:endParaRPr>
+          </a:p>
+          <a:p>
+            <a:pPr lvl="1"/>
+            <a:r>
+              <a:rPr lang="zh-CN" altLang="en-US" b="0" i="0">
+                <a:solidFill>
+                  <a:srgbClr val="161616"/>
+                </a:solidFill>
+                <a:effectLst/>
+                <a:latin typeface="IBM Plex Sans" panose="020B0503050203000203" pitchFamily="34" charset="0"/>
+              </a:rPr>
+              <a:t>如果 </a:t>
+            </a:r>
+            <a:r>
+              <a:rPr lang="en" altLang="zh-CN" b="0" i="0">
+                <a:solidFill>
+                  <a:srgbClr val="161616"/>
+                </a:solidFill>
+                <a:effectLst/>
+                <a:latin typeface="IBM Plex Sans" panose="020B0503050203000203" pitchFamily="34" charset="0"/>
+              </a:rPr>
+              <a:t>OR </a:t>
+            </a:r>
+            <a:r>
+              <a:rPr lang="zh-CN" altLang="en-US" b="0" i="0">
+                <a:solidFill>
+                  <a:srgbClr val="161616"/>
+                </a:solidFill>
+                <a:effectLst/>
+                <a:latin typeface="IBM Plex Sans" panose="020B0503050203000203" pitchFamily="34" charset="0"/>
+              </a:rPr>
+              <a:t>大于 </a:t>
+            </a:r>
+            <a:r>
+              <a:rPr lang="en-US" altLang="zh-CN">
+                <a:solidFill>
+                  <a:srgbClr val="161616"/>
+                </a:solidFill>
+                <a:latin typeface="IBM Plex Sans" panose="020B0503050203000203" pitchFamily="34" charset="0"/>
+              </a:rPr>
+              <a:t>1,</a:t>
+            </a:r>
+            <a:r>
+              <a:rPr lang="zh-CN" altLang="en-US">
+                <a:solidFill>
+                  <a:srgbClr val="161616"/>
+                </a:solidFill>
+                <a:latin typeface="IBM Plex Sans" panose="020B0503050203000203" pitchFamily="34" charset="0"/>
+              </a:rPr>
+              <a:t>  </a:t>
+            </a:r>
+            <a:r>
+              <a:rPr lang="zh-CN" altLang="en-US" b="0" i="0">
+                <a:solidFill>
+                  <a:srgbClr val="161616"/>
+                </a:solidFill>
+                <a:effectLst/>
+                <a:latin typeface="IBM Plex Sans" panose="020B0503050203000203" pitchFamily="34" charset="0"/>
+              </a:rPr>
+              <a:t>那么患者贫血状态改善的几率较高</a:t>
+            </a:r>
+            <a:r>
+              <a:rPr lang="en-US" altLang="zh-CN" b="0" i="0">
+                <a:solidFill>
+                  <a:srgbClr val="161616"/>
+                </a:solidFill>
+                <a:effectLst/>
+                <a:latin typeface="IBM Plex Sans" panose="020B0503050203000203" pitchFamily="34" charset="0"/>
+              </a:rPr>
+              <a:t>.</a:t>
+            </a:r>
+            <a:r>
+              <a:rPr lang="zh-CN" altLang="en-US" b="0" i="0">
+                <a:solidFill>
+                  <a:srgbClr val="161616"/>
+                </a:solidFill>
+                <a:effectLst/>
+                <a:latin typeface="IBM Plex Sans" panose="020B0503050203000203" pitchFamily="34" charset="0"/>
+              </a:rPr>
+              <a:t>  反之</a:t>
+            </a:r>
+            <a:r>
+              <a:rPr lang="en-US" altLang="zh-CN" b="0" i="0">
+                <a:solidFill>
+                  <a:srgbClr val="161616"/>
+                </a:solidFill>
+                <a:effectLst/>
+                <a:latin typeface="IBM Plex Sans" panose="020B0503050203000203" pitchFamily="34" charset="0"/>
+              </a:rPr>
               <a:t>,</a:t>
             </a:r>
             <a:r>
-              <a:rPr kumimoji="1" lang="zh-CN" altLang="en-US"/>
-              <a:t> 及该因素可能影响贫血终点</a:t>
-            </a:r>
-            <a:r>
-              <a:rPr kumimoji="1" lang="en-US" altLang="zh-CN"/>
+              <a:rPr lang="zh-CN" altLang="en-US" b="0" i="0">
+                <a:solidFill>
+                  <a:srgbClr val="161616"/>
+                </a:solidFill>
+                <a:effectLst/>
+                <a:latin typeface="IBM Plex Sans" panose="020B0503050203000203" pitchFamily="34" charset="0"/>
+              </a:rPr>
+              <a:t> 如果 </a:t>
+            </a:r>
+            <a:r>
+              <a:rPr lang="en" altLang="zh-CN" b="0" i="0">
+                <a:solidFill>
+                  <a:srgbClr val="161616"/>
+                </a:solidFill>
+                <a:effectLst/>
+                <a:latin typeface="IBM Plex Sans" panose="020B0503050203000203" pitchFamily="34" charset="0"/>
+              </a:rPr>
+              <a:t>OR </a:t>
+            </a:r>
+            <a:r>
+              <a:rPr lang="zh-CN" altLang="en-US" b="0" i="0">
+                <a:solidFill>
+                  <a:srgbClr val="161616"/>
+                </a:solidFill>
+                <a:effectLst/>
+                <a:latin typeface="IBM Plex Sans" panose="020B0503050203000203" pitchFamily="34" charset="0"/>
+              </a:rPr>
+              <a:t>小于 </a:t>
+            </a:r>
+            <a:r>
+              <a:rPr lang="en-US" altLang="zh-CN" b="0" i="0">
+                <a:solidFill>
+                  <a:srgbClr val="161616"/>
+                </a:solidFill>
+                <a:effectLst/>
+                <a:latin typeface="IBM Plex Sans" panose="020B0503050203000203" pitchFamily="34" charset="0"/>
+              </a:rPr>
+              <a:t>1</a:t>
+            </a:r>
+            <a:r>
+              <a:rPr lang="en-US" altLang="zh-CN">
+                <a:solidFill>
+                  <a:srgbClr val="161616"/>
+                </a:solidFill>
+                <a:latin typeface="IBM Plex Sans" panose="020B0503050203000203" pitchFamily="34" charset="0"/>
+              </a:rPr>
               <a:t>,</a:t>
             </a:r>
             <a:r>
-              <a:rPr kumimoji="1" lang="zh-CN" altLang="en-US"/>
-              <a:t> 考虑纳入多因素分析模型中</a:t>
-            </a:r>
-            <a:r>
-              <a:rPr kumimoji="1" lang="en-US" altLang="zh-CN"/>
-              <a:t>,</a:t>
-            </a:r>
-            <a:r>
-              <a:rPr kumimoji="1" lang="zh-CN" altLang="en-US"/>
-              <a:t> 作为自变量</a:t>
-            </a:r>
-            <a:r>
-              <a:rPr kumimoji="1" lang="en-US" altLang="zh-CN"/>
+              <a:rPr lang="zh-CN" altLang="en-US">
+                <a:solidFill>
+                  <a:srgbClr val="161616"/>
+                </a:solidFill>
+                <a:latin typeface="IBM Plex Sans" panose="020B0503050203000203" pitchFamily="34" charset="0"/>
+              </a:rPr>
+              <a:t> </a:t>
+            </a:r>
+            <a:r>
+              <a:rPr lang="zh-CN" altLang="en-US" b="0" i="0">
+                <a:solidFill>
+                  <a:srgbClr val="161616"/>
+                </a:solidFill>
+                <a:effectLst/>
+                <a:latin typeface="IBM Plex Sans" panose="020B0503050203000203" pitchFamily="34" charset="0"/>
+              </a:rPr>
+              <a:t>那么贫血改善的几率较低</a:t>
+            </a:r>
+            <a:r>
+              <a:rPr lang="en-US" altLang="zh-CN" b="0" i="0">
+                <a:solidFill>
+                  <a:srgbClr val="161616"/>
+                </a:solidFill>
+                <a:effectLst/>
+                <a:latin typeface="IBM Plex Sans" panose="020B0503050203000203" pitchFamily="34" charset="0"/>
+              </a:rPr>
               <a:t>.</a:t>
-            </a:r>
-            <a:r>
-              <a:rPr kumimoji="1" lang="zh-CN" altLang="en-US"/>
-              <a:t> </a:t>
-            </a:r>
-            <a:endParaRPr kumimoji="1" lang="en-US" altLang="zh-CN"/>
-          </a:p>
-          <a:p>
-            <a:r>
-              <a:rPr kumimoji="1" lang="zh-CN" altLang="en-US"/>
-              <a:t>多因素分析</a:t>
-            </a:r>
-            <a:r>
-              <a:rPr kumimoji="1" lang="en-US" altLang="zh-CN"/>
-              <a:t>:</a:t>
-            </a:r>
-            <a:r>
-              <a:rPr kumimoji="1" lang="zh-CN" altLang="en-US"/>
-              <a:t> 同时纳入多个单因素分析中显著的变量</a:t>
-            </a:r>
-            <a:endParaRPr kumimoji="1" lang="en-US" altLang="zh-CN"/>
-          </a:p>
-          <a:p>
-            <a:pPr lvl="1"/>
-            <a:r>
-              <a:rPr kumimoji="1" lang="zh-CN" altLang="en-US"/>
-              <a:t>在探索性分析中</a:t>
-            </a:r>
-            <a:r>
-              <a:rPr kumimoji="1" lang="en-US" altLang="zh-CN"/>
-              <a:t>,</a:t>
-            </a:r>
-            <a:r>
-              <a:rPr kumimoji="1" lang="zh-CN" altLang="en-US"/>
-              <a:t> 留意到</a:t>
-            </a:r>
-            <a:r>
-              <a:rPr kumimoji="1" lang="en-US" altLang="zh-CN"/>
-              <a:t>”</a:t>
-            </a:r>
-            <a:r>
-              <a:rPr kumimoji="1" lang="zh-CN" altLang="en-US"/>
-              <a:t>治疗时间</a:t>
-            </a:r>
-            <a:r>
-              <a:rPr kumimoji="1" lang="en-US" altLang="zh-CN"/>
-              <a:t>”</a:t>
-            </a:r>
-            <a:r>
-              <a:rPr kumimoji="1" lang="zh-CN" altLang="en-US"/>
-              <a:t>和基线的</a:t>
-            </a:r>
-            <a:r>
-              <a:rPr kumimoji="1" lang="en-US" altLang="zh-CN"/>
-              <a:t>”</a:t>
-            </a:r>
-            <a:r>
-              <a:rPr kumimoji="1" lang="zh-CN" altLang="en-US"/>
-              <a:t>血红蛋白</a:t>
-            </a:r>
-            <a:r>
-              <a:rPr kumimoji="1" lang="en-US" altLang="zh-CN"/>
-              <a:t>”</a:t>
-            </a:r>
-            <a:r>
-              <a:rPr kumimoji="1" lang="zh-CN" altLang="en-US"/>
-              <a:t>相关性较大</a:t>
-            </a:r>
-            <a:r>
-              <a:rPr kumimoji="1" lang="en-US" altLang="zh-CN"/>
-              <a:t>,</a:t>
-            </a:r>
-            <a:r>
-              <a:rPr kumimoji="1" lang="zh-CN" altLang="en-US"/>
-              <a:t> 且</a:t>
-            </a:r>
-            <a:r>
-              <a:rPr kumimoji="1" lang="en-US" altLang="zh-CN"/>
-              <a:t>”</a:t>
-            </a:r>
-            <a:r>
-              <a:rPr kumimoji="1" lang="zh-CN" altLang="en-US"/>
-              <a:t>治疗时间</a:t>
-            </a:r>
-            <a:r>
-              <a:rPr kumimoji="1" lang="en-US" altLang="zh-CN"/>
-              <a:t>”</a:t>
-            </a:r>
-            <a:r>
-              <a:rPr kumimoji="1" lang="zh-CN" altLang="en-US"/>
-              <a:t>在单因素分析中的</a:t>
-            </a:r>
-            <a:r>
-              <a:rPr kumimoji="1" lang="en-US" altLang="zh-CN"/>
-              <a:t>OR</a:t>
-            </a:r>
-            <a:r>
-              <a:rPr kumimoji="1" lang="zh-CN" altLang="en-US"/>
-              <a:t>置信区间非常宽</a:t>
-            </a:r>
-            <a:r>
-              <a:rPr kumimoji="1" lang="en-US" altLang="zh-CN"/>
-              <a:t>.</a:t>
-            </a:r>
-            <a:r>
-              <a:rPr kumimoji="1" lang="zh-CN" altLang="en-US"/>
-              <a:t> </a:t>
-            </a:r>
-            <a:endParaRPr kumimoji="1" lang="en-US" altLang="zh-CN"/>
-          </a:p>
-          <a:p>
-            <a:pPr lvl="1"/>
-            <a:r>
-              <a:rPr kumimoji="1" lang="zh-CN" altLang="en-US"/>
-              <a:t>因此</a:t>
-            </a:r>
-            <a:r>
-              <a:rPr kumimoji="1" lang="en-US" altLang="zh-CN"/>
-              <a:t>,</a:t>
-            </a:r>
-            <a:r>
-              <a:rPr kumimoji="1" lang="zh-CN" altLang="en-US"/>
-              <a:t> 在多因素分析中</a:t>
-            </a:r>
-            <a:r>
-              <a:rPr kumimoji="1" lang="en-US" altLang="zh-CN"/>
-              <a:t>,</a:t>
-            </a:r>
-            <a:r>
-              <a:rPr kumimoji="1" lang="zh-CN" altLang="en-US"/>
-              <a:t> 目前构建了两个回归模型</a:t>
-            </a:r>
-            <a:r>
-              <a:rPr kumimoji="1" lang="en-US" altLang="zh-CN"/>
-              <a:t>,</a:t>
-            </a:r>
-            <a:r>
-              <a:rPr kumimoji="1" lang="zh-CN" altLang="en-US"/>
-              <a:t> 第一个是</a:t>
-            </a:r>
-            <a:r>
-              <a:rPr kumimoji="1" lang="en-US" altLang="zh-CN"/>
-              <a:t>”</a:t>
-            </a:r>
-            <a:r>
-              <a:rPr kumimoji="1" lang="zh-CN" altLang="en-US"/>
-              <a:t>治疗时间</a:t>
-            </a:r>
-            <a:r>
-              <a:rPr kumimoji="1" lang="en-US" altLang="zh-CN"/>
-              <a:t>”</a:t>
-            </a:r>
-            <a:r>
-              <a:rPr kumimoji="1" lang="zh-CN" altLang="en-US"/>
-              <a:t>和基线</a:t>
-            </a:r>
-            <a:r>
-              <a:rPr kumimoji="1" lang="en-US" altLang="zh-CN"/>
-              <a:t>”</a:t>
-            </a:r>
-            <a:r>
-              <a:rPr kumimoji="1" lang="zh-CN" altLang="en-US"/>
-              <a:t>血红蛋白</a:t>
-            </a:r>
-            <a:r>
-              <a:rPr kumimoji="1" lang="en-US" altLang="zh-CN"/>
-              <a:t>”</a:t>
-            </a:r>
-            <a:r>
-              <a:rPr kumimoji="1" lang="zh-CN" altLang="en-US"/>
-              <a:t>没有交互作用的模型</a:t>
-            </a:r>
-            <a:r>
-              <a:rPr kumimoji="1" lang="en-US" altLang="zh-CN"/>
-              <a:t>,</a:t>
-            </a:r>
-            <a:r>
-              <a:rPr kumimoji="1" lang="zh-CN" altLang="en-US"/>
-              <a:t> 另一个是这两个变量有交互作用的模型</a:t>
-            </a:r>
-            <a:r>
-              <a:rPr kumimoji="1" lang="en-US" altLang="zh-CN"/>
-              <a:t>.</a:t>
-            </a:r>
-            <a:r>
-              <a:rPr kumimoji="1" lang="zh-CN" altLang="en-US"/>
-              <a:t> </a:t>
             </a:r>
             <a:endParaRPr kumimoji="1" lang="en-US" altLang="zh-CN"/>
           </a:p>
@@ -4871,7 +4658,7 @@
     </p:spTree>
     <p:extLst>
       <p:ext uri="{BB962C8B-B14F-4D97-AF65-F5344CB8AC3E}">
-        <p14:creationId xmlns:p14="http://schemas.microsoft.com/office/powerpoint/2010/main" val="3251887960"/>
+        <p14:creationId xmlns:p14="http://schemas.microsoft.com/office/powerpoint/2010/main" val="3266708432"/>
       </p:ext>
     </p:extLst>
   </p:cSld>
@@ -4903,7 +4690,7 @@
           <p:cNvPr id="2" name="标题 1">
             <a:extLst>
               <a:ext uri="{FF2B5EF4-FFF2-40B4-BE49-F238E27FC236}">
-                <a16:creationId xmlns:a16="http://schemas.microsoft.com/office/drawing/2014/main" id="{A8D2E9F7-36E5-C4BE-E672-839B5FB899A8}"/>
+                <a16:creationId xmlns:a16="http://schemas.microsoft.com/office/drawing/2014/main" id="{B09A1D58-5C41-562F-3129-9A7F2541B979}"/>
               </a:ext>
             </a:extLst>
           </p:cNvPr>
@@ -4920,7 +4707,7 @@
           <a:lstStyle/>
           <a:p>
             <a:r>
-              <a:rPr kumimoji="1" lang="zh-CN" altLang="en-US"/>
+              <a:rPr kumimoji="1" lang="zh-CN" altLang="en-US" dirty="0"/>
               <a:t>统计分析与结果</a:t>
             </a:r>
           </a:p>
@@ -4931,7 +4718,7 @@
           <p:cNvPr id="3" name="内容占位符 2">
             <a:extLst>
               <a:ext uri="{FF2B5EF4-FFF2-40B4-BE49-F238E27FC236}">
-                <a16:creationId xmlns:a16="http://schemas.microsoft.com/office/drawing/2014/main" id="{D19F2091-2933-1C04-283E-35D0115AC128}"/>
+                <a16:creationId xmlns:a16="http://schemas.microsoft.com/office/drawing/2014/main" id="{2B3239B2-1E51-7A08-8B18-82847FBC0C7B}"/>
               </a:ext>
             </a:extLst>
           </p:cNvPr>
@@ -4948,59 +4735,88 @@
           <a:lstStyle/>
           <a:p>
             <a:r>
-              <a:rPr lang="zh-CN" altLang="en-US" i="0">
-                <a:solidFill>
-                  <a:srgbClr val="222226"/>
-                </a:solidFill>
-                <a:effectLst/>
-                <a:latin typeface="+mn-ea"/>
-              </a:rPr>
-              <a:t>随机森林回归</a:t>
-            </a:r>
-            <a:endParaRPr lang="en-US" altLang="zh-CN" i="0">
-              <a:solidFill>
-                <a:srgbClr val="222226"/>
-              </a:solidFill>
-              <a:effectLst/>
-              <a:latin typeface="+mn-ea"/>
-            </a:endParaRPr>
-          </a:p>
-          <a:p>
-            <a:r>
-              <a:rPr lang="zh-CN" altLang="en-US" i="0">
-                <a:solidFill>
-                  <a:srgbClr val="222226"/>
-                </a:solidFill>
-                <a:effectLst/>
-                <a:latin typeface="+mn-ea"/>
-              </a:rPr>
-              <a:t>在多因素分析的基础上</a:t>
-            </a:r>
-            <a:r>
-              <a:rPr lang="en-US" altLang="zh-CN" i="0">
-                <a:solidFill>
-                  <a:srgbClr val="222226"/>
-                </a:solidFill>
-                <a:effectLst/>
-                <a:latin typeface="+mn-ea"/>
-              </a:rPr>
+              <a:rPr kumimoji="1" lang="zh-CN" altLang="en-US"/>
+              <a:t>单因素分析</a:t>
+            </a:r>
+            <a:r>
+              <a:rPr kumimoji="1" lang="en-US" altLang="zh-CN"/>
+              <a:t>:</a:t>
+            </a:r>
+            <a:r>
+              <a:rPr kumimoji="1" lang="zh-CN" altLang="en-US"/>
+              <a:t> 单次只考察一个变量与终点事件 </a:t>
+            </a:r>
+            <a:r>
+              <a:rPr kumimoji="1" lang="en-US" altLang="zh-CN"/>
+              <a:t>(</a:t>
+            </a:r>
+            <a:r>
+              <a:rPr kumimoji="1" lang="zh-CN" altLang="en-US"/>
+              <a:t>贫血改善</a:t>
+            </a:r>
+            <a:r>
+              <a:rPr kumimoji="1" lang="en-US" altLang="zh-CN"/>
+              <a:t>/</a:t>
+            </a:r>
+            <a:r>
+              <a:rPr kumimoji="1" lang="zh-CN" altLang="en-US"/>
+              <a:t>未改善</a:t>
+            </a:r>
+            <a:r>
+              <a:rPr kumimoji="1" lang="en-US" altLang="zh-CN"/>
+              <a:t>)</a:t>
+            </a:r>
+            <a:r>
+              <a:rPr kumimoji="1" lang="zh-CN" altLang="en-US"/>
+              <a:t> 的关系</a:t>
+            </a:r>
+            <a:endParaRPr kumimoji="1" lang="en-US" altLang="zh-CN"/>
+          </a:p>
+          <a:p>
+            <a:pPr lvl="1"/>
+            <a:r>
+              <a:rPr kumimoji="1" lang="zh-CN" altLang="en-US"/>
+              <a:t>因此和描述性统计类似</a:t>
+            </a:r>
+            <a:r>
+              <a:rPr kumimoji="1" lang="en-US" altLang="zh-CN"/>
               <a:t>,</a:t>
             </a:r>
             <a:r>
-              <a:rPr lang="zh-CN" altLang="en-US" i="0">
-                <a:solidFill>
-                  <a:srgbClr val="222226"/>
-                </a:solidFill>
-                <a:effectLst/>
-                <a:latin typeface="+mn-ea"/>
-              </a:rPr>
-              <a:t> 利用随机森林对变量重要性进行评估</a:t>
-            </a:r>
-          </a:p>
-          <a:p>
-            <a:r>
-              <a:rPr kumimoji="1" lang="zh-CN" altLang="en-US"/>
-              <a:t>随机森林是一种经典的机器学习方法</a:t>
+              <a:rPr kumimoji="1" lang="zh-CN" altLang="en-US"/>
+              <a:t> 分别构建了</a:t>
+            </a:r>
+            <a:r>
+              <a:rPr kumimoji="1" lang="en-US" altLang="zh-CN"/>
+              <a:t>16</a:t>
+            </a:r>
+            <a:r>
+              <a:rPr kumimoji="1" lang="zh-CN" altLang="en-US"/>
+              <a:t>个单因素</a:t>
+            </a:r>
+            <a:r>
+              <a:rPr kumimoji="1" lang="en-US" altLang="zh-CN"/>
+              <a:t>logistic</a:t>
+            </a:r>
+            <a:r>
+              <a:rPr kumimoji="1" lang="zh-CN" altLang="en-US"/>
+              <a:t>回归分析模型</a:t>
+            </a:r>
+            <a:r>
+              <a:rPr kumimoji="1" lang="en-US" altLang="zh-CN"/>
+              <a:t>.</a:t>
+            </a:r>
+            <a:r>
+              <a:rPr kumimoji="1" lang="zh-CN" altLang="en-US"/>
+              <a:t> </a:t>
+            </a:r>
+            <a:endParaRPr kumimoji="1" lang="en-US" altLang="zh-CN"/>
+          </a:p>
+          <a:p>
+            <a:pPr lvl="1"/>
+            <a:r>
+              <a:rPr kumimoji="1" lang="zh-CN" altLang="en-US"/>
+              <a:t>单因素分析中</a:t>
             </a:r>
             <a:r>
               <a:rPr kumimoji="1" lang="en-US" altLang="zh-CN"/>
@@ -5008,7 +4824,15 @@
             </a:r>
             <a:r>
               <a:rPr kumimoji="1" lang="zh-CN" altLang="en-US"/>
-              <a:t>常被用于回归任务</a:t>
+              <a:t> 系数的</a:t>
+            </a:r>
+            <a:r>
+              <a:rPr kumimoji="1" lang="en-US" altLang="zh-CN"/>
+              <a:t>p&lt;0.25</a:t>
+            </a:r>
+            <a:r>
+              <a:rPr kumimoji="1" lang="zh-CN" altLang="en-US"/>
+              <a:t>视为显著</a:t>
             </a:r>
             <a:r>
               <a:rPr kumimoji="1" lang="en-US" altLang="zh-CN"/>
@@ -5016,17 +4840,62 @@
             </a:r>
             <a:r>
               <a:rPr kumimoji="1" lang="zh-CN" altLang="en-US"/>
-              <a:t> 包括二分类因变量的回归</a:t>
+              <a:t> 及该因素可能影响贫血终点</a:t>
+            </a:r>
+            <a:r>
+              <a:rPr kumimoji="1" lang="en-US" altLang="zh-CN"/>
+              <a:t>,</a:t>
+            </a:r>
+            <a:r>
+              <a:rPr kumimoji="1" lang="zh-CN" altLang="en-US"/>
+              <a:t> 考虑纳入多因素分析模型中</a:t>
+            </a:r>
+            <a:r>
+              <a:rPr kumimoji="1" lang="en-US" altLang="zh-CN"/>
+              <a:t>,</a:t>
+            </a:r>
+            <a:r>
+              <a:rPr kumimoji="1" lang="zh-CN" altLang="en-US"/>
+              <a:t> 作为自变量</a:t>
             </a:r>
             <a:r>
               <a:rPr kumimoji="1" lang="en-US" altLang="zh-CN"/>
               <a:t>.</a:t>
             </a:r>
-          </a:p>
-          <a:p>
-            <a:r>
-              <a:rPr kumimoji="1" lang="zh-CN" altLang="en-US"/>
-              <a:t>它通过大量决策树</a:t>
+            <a:r>
+              <a:rPr kumimoji="1" lang="zh-CN" altLang="en-US"/>
+              <a:t> </a:t>
+            </a:r>
+            <a:endParaRPr kumimoji="1" lang="en-US" altLang="zh-CN"/>
+          </a:p>
+          <a:p>
+            <a:r>
+              <a:rPr kumimoji="1" lang="zh-CN" altLang="en-US"/>
+              <a:t>多因素分析</a:t>
+            </a:r>
+            <a:r>
+              <a:rPr kumimoji="1" lang="en-US" altLang="zh-CN"/>
+              <a:t>:</a:t>
+            </a:r>
+            <a:r>
+              <a:rPr kumimoji="1" lang="zh-CN" altLang="en-US"/>
+              <a:t> 同时纳入多个单因素分析中显著的变量</a:t>
+            </a:r>
+            <a:endParaRPr kumimoji="1" lang="en-US" altLang="zh-CN"/>
+          </a:p>
+          <a:p>
+            <a:pPr lvl="1"/>
+            <a:r>
+              <a:rPr kumimoji="1" lang="zh-CN" altLang="en-US"/>
+              <a:t>在探索性分析中</a:t>
+            </a:r>
+            <a:r>
+              <a:rPr kumimoji="1" lang="en-US" altLang="zh-CN"/>
+              <a:t>,</a:t>
+            </a:r>
+            <a:r>
+              <a:rPr kumimoji="1" lang="zh-CN" altLang="en-US"/>
+              <a:t> 留意到</a:t>
             </a:r>
             <a:r>
               <a:rPr kumimoji="1" lang="en-US" altLang="zh-CN"/>
@@ -5034,7 +4903,7 @@
             </a:r>
             <a:r>
               <a:rPr kumimoji="1" lang="zh-CN" altLang="en-US"/>
-              <a:t>投票</a:t>
+              <a:t>治疗时间</a:t>
             </a:r>
             <a:r>
               <a:rPr kumimoji="1" lang="en-US" altLang="zh-CN"/>
@@ -5042,7 +4911,55 @@
             </a:r>
             <a:r>
               <a:rPr kumimoji="1" lang="zh-CN" altLang="en-US"/>
-              <a:t>得到因变量的取值</a:t>
+              <a:t>和基线的</a:t>
+            </a:r>
+            <a:r>
+              <a:rPr kumimoji="1" lang="en-US" altLang="zh-CN"/>
+              <a:t>”</a:t>
+            </a:r>
+            <a:r>
+              <a:rPr kumimoji="1" lang="zh-CN" altLang="en-US"/>
+              <a:t>血红蛋白</a:t>
+            </a:r>
+            <a:r>
+              <a:rPr kumimoji="1" lang="en-US" altLang="zh-CN"/>
+              <a:t>”</a:t>
+            </a:r>
+            <a:r>
+              <a:rPr kumimoji="1" lang="zh-CN" altLang="en-US"/>
+              <a:t>相关性较大</a:t>
+            </a:r>
+            <a:r>
+              <a:rPr kumimoji="1" lang="en-US" altLang="zh-CN"/>
+              <a:t>,</a:t>
+            </a:r>
+            <a:r>
+              <a:rPr kumimoji="1" lang="zh-CN" altLang="en-US"/>
+              <a:t> 且</a:t>
+            </a:r>
+            <a:r>
+              <a:rPr kumimoji="1" lang="en-US" altLang="zh-CN"/>
+              <a:t>”</a:t>
+            </a:r>
+            <a:r>
+              <a:rPr kumimoji="1" lang="zh-CN" altLang="en-US"/>
+              <a:t>治疗时间</a:t>
+            </a:r>
+            <a:r>
+              <a:rPr kumimoji="1" lang="en-US" altLang="zh-CN"/>
+              <a:t>”</a:t>
+            </a:r>
+            <a:r>
+              <a:rPr kumimoji="1" lang="zh-CN" altLang="en-US"/>
+              <a:t>在单因素分析中的</a:t>
+            </a:r>
+            <a:r>
+              <a:rPr kumimoji="1" lang="en-US" altLang="zh-CN"/>
+              <a:t>OR</a:t>
+            </a:r>
+            <a:r>
+              <a:rPr kumimoji="1" lang="zh-CN" altLang="en-US"/>
+              <a:t>置信区间非常宽</a:t>
             </a:r>
             <a:r>
               <a:rPr kumimoji="1" lang="en-US" altLang="zh-CN"/>
@@ -5055,9 +4972,10 @@
             <a:endParaRPr kumimoji="1" lang="en-US" altLang="zh-CN"/>
           </a:p>
           <a:p>
-            <a:r>
-              <a:rPr kumimoji="1" lang="zh-CN" altLang="en-US"/>
-              <a:t>用随机森林进行变量重要性评估的思想</a:t>
+            <a:pPr lvl="1"/>
+            <a:r>
+              <a:rPr kumimoji="1" lang="zh-CN" altLang="en-US"/>
+              <a:t>因此</a:t>
             </a:r>
             <a:r>
               <a:rPr kumimoji="1" lang="en-US" altLang="zh-CN"/>
@@ -5065,7 +4983,7 @@
             </a:r>
             <a:r>
               <a:rPr kumimoji="1" lang="zh-CN" altLang="en-US"/>
-              <a:t> 是考察每个变量在随机森林中的每颗决策树上做了多大的贡献</a:t>
+              <a:t> 在多因素分析中</a:t>
             </a:r>
             <a:r>
               <a:rPr kumimoji="1" lang="en-US" altLang="zh-CN"/>
@@ -5073,7 +4991,7 @@
             </a:r>
             <a:r>
               <a:rPr kumimoji="1" lang="zh-CN" altLang="en-US"/>
-              <a:t> 然后取平均值</a:t>
+              <a:t> 目前构建了两个回归模型</a:t>
             </a:r>
             <a:r>
               <a:rPr kumimoji="1" lang="en-US" altLang="zh-CN"/>
@@ -5081,7 +4999,47 @@
             </a:r>
             <a:r>
               <a:rPr kumimoji="1" lang="zh-CN" altLang="en-US"/>
-              <a:t> 最后比较特征之间的贡献大小</a:t>
+              <a:t> 第一个是</a:t>
+            </a:r>
+            <a:r>
+              <a:rPr kumimoji="1" lang="en-US" altLang="zh-CN"/>
+              <a:t>”</a:t>
+            </a:r>
+            <a:r>
+              <a:rPr kumimoji="1" lang="zh-CN" altLang="en-US"/>
+              <a:t>治疗时间</a:t>
+            </a:r>
+            <a:r>
+              <a:rPr kumimoji="1" lang="en-US" altLang="zh-CN"/>
+              <a:t>”</a:t>
+            </a:r>
+            <a:r>
+              <a:rPr kumimoji="1" lang="zh-CN" altLang="en-US"/>
+              <a:t>和基线</a:t>
+            </a:r>
+            <a:r>
+              <a:rPr kumimoji="1" lang="en-US" altLang="zh-CN"/>
+              <a:t>”</a:t>
+            </a:r>
+            <a:r>
+              <a:rPr kumimoji="1" lang="zh-CN" altLang="en-US"/>
+              <a:t>血红蛋白</a:t>
+            </a:r>
+            <a:r>
+              <a:rPr kumimoji="1" lang="en-US" altLang="zh-CN"/>
+              <a:t>”</a:t>
+            </a:r>
+            <a:r>
+              <a:rPr kumimoji="1" lang="zh-CN" altLang="en-US"/>
+              <a:t>没有交互作用的模型</a:t>
+            </a:r>
+            <a:r>
+              <a:rPr kumimoji="1" lang="en-US" altLang="zh-CN"/>
+              <a:t>,</a:t>
+            </a:r>
+            <a:r>
+              <a:rPr kumimoji="1" lang="zh-CN" altLang="en-US"/>
+              <a:t> 另一个是这两个变量有交互作用的模型</a:t>
             </a:r>
             <a:r>
               <a:rPr kumimoji="1" lang="en-US" altLang="zh-CN"/>
@@ -5089,15 +5047,19 @@
             </a:r>
             <a:r>
               <a:rPr kumimoji="1" lang="zh-CN" altLang="en-US"/>
-              <a:t>  </a:t>
-            </a:r>
+              <a:t> </a:t>
+            </a:r>
+            <a:endParaRPr kumimoji="1" lang="en-US" altLang="zh-CN"/>
+          </a:p>
+          <a:p>
+            <a:endParaRPr kumimoji="1" lang="zh-CN" altLang="en-US"/>
           </a:p>
         </p:txBody>
       </p:sp>
     </p:spTree>
     <p:extLst>
       <p:ext uri="{BB962C8B-B14F-4D97-AF65-F5344CB8AC3E}">
-        <p14:creationId xmlns:p14="http://schemas.microsoft.com/office/powerpoint/2010/main" val="2305405449"/>
+        <p14:creationId xmlns:p14="http://schemas.microsoft.com/office/powerpoint/2010/main" val="3251887960"/>
       </p:ext>
     </p:extLst>
   </p:cSld>
@@ -5126,10 +5088,10 @@
       </p:grpSpPr>
       <p:sp>
         <p:nvSpPr>
-          <p:cNvPr id="2" name="标题 1">
-            <a:extLst>
-              <a:ext uri="{FF2B5EF4-FFF2-40B4-BE49-F238E27FC236}">
-                <a16:creationId xmlns:a16="http://schemas.microsoft.com/office/drawing/2014/main" id="{BD14703B-1F0F-8F71-2F28-CE6859A9E391}"/>
+          <p:cNvPr id="2" name="Title 1">
+            <a:extLst>
+              <a:ext uri="{FF2B5EF4-FFF2-40B4-BE49-F238E27FC236}">
+                <a16:creationId xmlns:a16="http://schemas.microsoft.com/office/drawing/2014/main" id="{62A90DE6-AE2A-4269-AD23-425AB0EF02D6}"/>
               </a:ext>
             </a:extLst>
           </p:cNvPr>
@@ -5146,18 +5108,19 @@
           <a:lstStyle/>
           <a:p>
             <a:r>
-              <a:rPr kumimoji="1" lang="zh-CN" altLang="en-US"/>
+              <a:rPr kumimoji="1" lang="zh-CN" altLang="en-US" dirty="0"/>
               <a:t>统计分析与结果</a:t>
             </a:r>
-          </a:p>
-        </p:txBody>
-      </p:sp>
-      <p:sp>
-        <p:nvSpPr>
-          <p:cNvPr id="3" name="内容占位符 2">
-            <a:extLst>
-              <a:ext uri="{FF2B5EF4-FFF2-40B4-BE49-F238E27FC236}">
-                <a16:creationId xmlns:a16="http://schemas.microsoft.com/office/drawing/2014/main" id="{8D31335F-A41B-D77C-AD4F-7EDB9E98F3E7}"/>
+            <a:endParaRPr lang="en-US" dirty="0"/>
+          </a:p>
+        </p:txBody>
+      </p:sp>
+      <p:sp>
+        <p:nvSpPr>
+          <p:cNvPr id="3" name="Content Placeholder 2">
+            <a:extLst>
+              <a:ext uri="{FF2B5EF4-FFF2-40B4-BE49-F238E27FC236}">
+                <a16:creationId xmlns:a16="http://schemas.microsoft.com/office/drawing/2014/main" id="{7BE85425-CFB1-47D7-A320-3C1744D003D4}"/>
               </a:ext>
             </a:extLst>
           </p:cNvPr>
@@ -5168,113 +5131,197 @@
             <p:ph idx="1"/>
           </p:nvPr>
         </p:nvSpPr>
-        <p:spPr/>
-        <p:txBody>
-          <a:bodyPr/>
-          <a:lstStyle/>
-          <a:p>
-            <a:r>
-              <a:rPr kumimoji="1" lang="zh-CN" altLang="en-US"/>
-              <a:t>分位数回归</a:t>
-            </a:r>
-            <a:endParaRPr kumimoji="1" lang="en-US" altLang="zh-CN"/>
-          </a:p>
-          <a:p>
-            <a:r>
-              <a:rPr kumimoji="1" lang="zh-CN" altLang="en-US"/>
-              <a:t>分位数回归对一组预测变量（自变量）与目标变量（因变量）的特定百分位数（即“分位数”</a:t>
-            </a:r>
-            <a:r>
-              <a:rPr kumimoji="1" lang="en-US" altLang="zh-CN"/>
-              <a:t>,</a:t>
-            </a:r>
-            <a:r>
-              <a:rPr kumimoji="1" lang="zh-CN" altLang="en-US"/>
-              <a:t> 通常是中位数）之间的关系建</a:t>
-            </a:r>
-            <a:endParaRPr kumimoji="1" lang="en-US" altLang="zh-CN"/>
-          </a:p>
-          <a:p>
-            <a:r>
-              <a:rPr kumimoji="1" lang="zh-CN" altLang="en-US"/>
-              <a:t>与“普通最小平方”回归相比</a:t>
-            </a:r>
-            <a:r>
-              <a:rPr kumimoji="1" lang="en-US" altLang="zh-CN"/>
-              <a:t>,</a:t>
-            </a:r>
-            <a:r>
-              <a:rPr kumimoji="1" lang="zh-CN" altLang="en-US"/>
-              <a:t> 其有两个主要优势</a:t>
-            </a:r>
-            <a:r>
-              <a:rPr kumimoji="1" lang="en-US" altLang="zh-CN"/>
-              <a:t>:</a:t>
-            </a:r>
-            <a:r>
-              <a:rPr kumimoji="1" lang="zh-CN" altLang="en-US"/>
-              <a:t> </a:t>
-            </a:r>
-            <a:endParaRPr kumimoji="1" lang="en-US" altLang="zh-CN"/>
+        <p:spPr>
+          <a:xfrm>
+            <a:off x="838200" y="1825625"/>
+            <a:ext cx="3787066" cy="4351338"/>
+          </a:xfrm>
+        </p:spPr>
+        <p:txBody>
+          <a:bodyPr>
+            <a:normAutofit lnSpcReduction="10000"/>
+          </a:bodyPr>
+          <a:lstStyle/>
+          <a:p>
+            <a:r>
+              <a:rPr kumimoji="1" lang="zh-CN" altLang="en-US" dirty="0"/>
+              <a:t>初步结果</a:t>
+            </a:r>
+            <a:endParaRPr kumimoji="1" lang="en-US" altLang="zh-CN" dirty="0"/>
           </a:p>
           <a:p>
             <a:pPr lvl="1"/>
             <a:r>
-              <a:rPr kumimoji="1" lang="zh-CN" altLang="en-US"/>
-              <a:t>分位数回归不会假设目标变量的分布</a:t>
-            </a:r>
-            <a:r>
-              <a:rPr kumimoji="1" lang="en-US" altLang="zh-CN"/>
-              <a:t>.</a:t>
-            </a:r>
-            <a:r>
-              <a:rPr kumimoji="1" lang="zh-CN" altLang="en-US"/>
-              <a:t> </a:t>
-            </a:r>
-            <a:endParaRPr kumimoji="1" lang="en-US" altLang="zh-CN"/>
+              <a:rPr kumimoji="1" lang="zh-CN" altLang="en-US" dirty="0"/>
+              <a:t>单因素分析结果显示</a:t>
+            </a:r>
+            <a:r>
+              <a:rPr kumimoji="1" lang="en-US" altLang="zh-CN" dirty="0"/>
+              <a:t>,  "</a:t>
+            </a:r>
+            <a:r>
+              <a:rPr kumimoji="1" lang="zh-CN" altLang="en-US" dirty="0"/>
+              <a:t>用药时间</a:t>
+            </a:r>
+            <a:r>
+              <a:rPr kumimoji="1" lang="en-US" altLang="zh-CN" dirty="0"/>
+              <a:t>", "</a:t>
+            </a:r>
+            <a:r>
+              <a:rPr kumimoji="1" lang="zh-CN" altLang="en-US" dirty="0"/>
+              <a:t>年龄</a:t>
+            </a:r>
+            <a:r>
+              <a:rPr kumimoji="1" lang="en-US" altLang="zh-CN" dirty="0"/>
+              <a:t>", "</a:t>
+            </a:r>
+            <a:r>
+              <a:rPr kumimoji="1" lang="en-US" altLang="zh-CN" dirty="0" err="1"/>
+              <a:t>bmi</a:t>
+            </a:r>
+            <a:r>
+              <a:rPr kumimoji="1" lang="en-US" altLang="zh-CN" dirty="0"/>
+              <a:t>", "</a:t>
+            </a:r>
+            <a:r>
+              <a:rPr kumimoji="1" lang="zh-CN" altLang="en-US" dirty="0"/>
+              <a:t>血红蛋白</a:t>
+            </a:r>
+            <a:r>
+              <a:rPr kumimoji="1" lang="en-US" altLang="zh-CN" dirty="0"/>
+              <a:t>", "CRP", "CRP.1", "</a:t>
+            </a:r>
+            <a:r>
+              <a:rPr kumimoji="1" lang="zh-CN" altLang="en-US" dirty="0"/>
+              <a:t>淋巴细胞绝对值</a:t>
+            </a:r>
+            <a:r>
+              <a:rPr kumimoji="1" lang="en-US" altLang="zh-CN" dirty="0"/>
+              <a:t>",  "</a:t>
+            </a:r>
+            <a:r>
+              <a:rPr kumimoji="1" lang="zh-CN" altLang="en-US" dirty="0"/>
+              <a:t>中性粒细胞绝对值</a:t>
+            </a:r>
+            <a:r>
+              <a:rPr kumimoji="1" lang="en-US" altLang="zh-CN" dirty="0"/>
+              <a:t>",  "</a:t>
+            </a:r>
+            <a:r>
+              <a:rPr kumimoji="1" lang="en-US" altLang="zh-CN" dirty="0" err="1"/>
+              <a:t>mchc</a:t>
+            </a:r>
+            <a:r>
+              <a:rPr kumimoji="1" lang="en-US" altLang="zh-CN" dirty="0"/>
+              <a:t>"</a:t>
+            </a:r>
+            <a:r>
+              <a:rPr kumimoji="1" lang="zh-CN" altLang="en-US" dirty="0"/>
+              <a:t>和 </a:t>
+            </a:r>
+            <a:r>
+              <a:rPr kumimoji="1" lang="en-US" altLang="zh-CN" dirty="0"/>
+              <a:t>"mchc.1"</a:t>
+            </a:r>
+            <a:r>
+              <a:rPr kumimoji="1" lang="zh-CN" altLang="en-US" dirty="0"/>
+              <a:t>可以放入多因素分析</a:t>
+            </a:r>
+            <a:r>
+              <a:rPr kumimoji="1" lang="en-US" altLang="zh-CN" dirty="0"/>
+              <a:t>. </a:t>
+            </a:r>
           </a:p>
           <a:p>
             <a:pPr lvl="1"/>
             <a:r>
-              <a:rPr kumimoji="1" lang="zh-CN" altLang="en-US"/>
-              <a:t>分位数回归趋向于抑制偏离观测值的影响</a:t>
-            </a:r>
-            <a:r>
-              <a:rPr kumimoji="1" lang="en-US" altLang="zh-CN"/>
-              <a:t>.</a:t>
-            </a:r>
-            <a:r>
-              <a:rPr kumimoji="1" lang="zh-CN" altLang="en-US"/>
-              <a:t> </a:t>
-            </a:r>
-            <a:endParaRPr kumimoji="1" lang="en-US" altLang="zh-CN"/>
-          </a:p>
-          <a:p>
-            <a:r>
-              <a:rPr kumimoji="1" lang="zh-CN" altLang="en-US"/>
-              <a:t>它被用于解决第二个临床问题</a:t>
-            </a:r>
-            <a:r>
-              <a:rPr kumimoji="1" lang="en-US" altLang="zh-CN"/>
-              <a:t>.</a:t>
-            </a:r>
-            <a:r>
-              <a:rPr kumimoji="1" lang="zh-CN" altLang="en-US"/>
-              <a:t> </a:t>
-            </a:r>
-          </a:p>
-          <a:p>
-            <a:endParaRPr kumimoji="1" lang="en-US" altLang="zh-CN"/>
-          </a:p>
-          <a:p>
-            <a:endParaRPr kumimoji="1" lang="zh-CN" altLang="en-US"/>
-          </a:p>
-        </p:txBody>
-      </p:sp>
+              <a:rPr kumimoji="1" lang="zh-CN" altLang="en-US" dirty="0"/>
+              <a:t>多因素分析显示</a:t>
+            </a:r>
+            <a:r>
+              <a:rPr kumimoji="1" lang="en-US" altLang="zh-CN" dirty="0"/>
+              <a:t>“</a:t>
+            </a:r>
+            <a:r>
+              <a:rPr kumimoji="1" lang="zh-CN" altLang="en-US" dirty="0"/>
+              <a:t>用药时间</a:t>
+            </a:r>
+            <a:r>
+              <a:rPr kumimoji="1" lang="en-US" altLang="zh-CN" dirty="0"/>
+              <a:t>”, “</a:t>
+            </a:r>
+            <a:r>
+              <a:rPr kumimoji="1" lang="zh-CN" altLang="en-US" dirty="0"/>
+              <a:t>年龄</a:t>
+            </a:r>
+            <a:r>
+              <a:rPr kumimoji="1" lang="en-US" altLang="zh-CN" dirty="0"/>
+              <a:t>”, “</a:t>
+            </a:r>
+            <a:r>
+              <a:rPr kumimoji="1" lang="en-US" altLang="zh-CN" dirty="0" err="1"/>
+              <a:t>bmi</a:t>
+            </a:r>
+            <a:r>
+              <a:rPr kumimoji="1" lang="en-US" altLang="zh-CN" dirty="0"/>
+              <a:t>”, “</a:t>
+            </a:r>
+            <a:r>
+              <a:rPr kumimoji="1" lang="zh-CN" altLang="en-US" dirty="0"/>
+              <a:t>血红蛋白</a:t>
+            </a:r>
+            <a:r>
+              <a:rPr kumimoji="1" lang="en-US" altLang="zh-CN" dirty="0"/>
+              <a:t>”</a:t>
+            </a:r>
+            <a:r>
+              <a:rPr kumimoji="1" lang="zh-CN" altLang="en-US" dirty="0"/>
+              <a:t>都是显著的</a:t>
+            </a:r>
+            <a:r>
+              <a:rPr kumimoji="1" lang="en-US" altLang="zh-CN" dirty="0"/>
+              <a:t>. </a:t>
+            </a:r>
+          </a:p>
+          <a:p>
+            <a:endParaRPr lang="en-US" dirty="0"/>
+          </a:p>
+        </p:txBody>
+      </p:sp>
+      <p:pic>
+        <p:nvPicPr>
+          <p:cNvPr id="4" name="Picture 3">
+            <a:extLst>
+              <a:ext uri="{FF2B5EF4-FFF2-40B4-BE49-F238E27FC236}">
+                <a16:creationId xmlns:a16="http://schemas.microsoft.com/office/drawing/2014/main" id="{7E7C6BAD-A1B0-424A-B9A3-E8F04941E928}"/>
+              </a:ext>
+            </a:extLst>
+          </p:cNvPr>
+          <p:cNvPicPr>
+            <a:picLocks noChangeAspect="1"/>
+          </p:cNvPicPr>
+          <p:nvPr/>
+        </p:nvPicPr>
+        <p:blipFill>
+          <a:blip r:embed="rId2"/>
+          <a:stretch>
+            <a:fillRect/>
+          </a:stretch>
+        </p:blipFill>
+        <p:spPr>
+          <a:xfrm>
+            <a:off x="4998128" y="2319786"/>
+            <a:ext cx="6777084" cy="3363016"/>
+          </a:xfrm>
+          <a:prstGeom prst="rect">
+            <a:avLst/>
+          </a:prstGeom>
+        </p:spPr>
+      </p:pic>
     </p:spTree>
     <p:extLst>
       <p:ext uri="{BB962C8B-B14F-4D97-AF65-F5344CB8AC3E}">
-        <p14:creationId xmlns:p14="http://schemas.microsoft.com/office/powerpoint/2010/main" val="2214525768"/>
+        <p14:creationId xmlns:p14="http://schemas.microsoft.com/office/powerpoint/2010/main" val="3899368449"/>
       </p:ext>
     </p:extLst>
   </p:cSld>
@@ -5306,7 +5353,7 @@
           <p:cNvPr id="2" name="标题 1">
             <a:extLst>
               <a:ext uri="{FF2B5EF4-FFF2-40B4-BE49-F238E27FC236}">
-                <a16:creationId xmlns:a16="http://schemas.microsoft.com/office/drawing/2014/main" id="{D8B42052-415C-D5AB-3C5D-C02BD252C937}"/>
+                <a16:creationId xmlns:a16="http://schemas.microsoft.com/office/drawing/2014/main" id="{A8D2E9F7-36E5-C4BE-E672-839B5FB899A8}"/>
               </a:ext>
             </a:extLst>
           </p:cNvPr>
@@ -5323,8 +5370,8 @@
           <a:lstStyle/>
           <a:p>
             <a:r>
-              <a:rPr kumimoji="1" lang="zh-CN" altLang="en-US"/>
-              <a:t>下一步工作</a:t>
+              <a:rPr kumimoji="1" lang="zh-CN" altLang="en-US" dirty="0"/>
+              <a:t>统计分析与结果</a:t>
             </a:r>
           </a:p>
         </p:txBody>
@@ -5334,7 +5381,7 @@
           <p:cNvPr id="3" name="内容占位符 2">
             <a:extLst>
               <a:ext uri="{FF2B5EF4-FFF2-40B4-BE49-F238E27FC236}">
-                <a16:creationId xmlns:a16="http://schemas.microsoft.com/office/drawing/2014/main" id="{7421A779-A159-BC68-448D-03260DE6689E}"/>
+                <a16:creationId xmlns:a16="http://schemas.microsoft.com/office/drawing/2014/main" id="{D19F2091-2933-1C04-283E-35D0115AC128}"/>
               </a:ext>
             </a:extLst>
           </p:cNvPr>
@@ -5351,170 +5398,148 @@
           <a:lstStyle/>
           <a:p>
             <a:r>
-              <a:rPr kumimoji="1" lang="zh-CN" altLang="en-US"/>
-              <a:t>进一步整理回归模型输出的参数</a:t>
-            </a:r>
-            <a:r>
-              <a:rPr kumimoji="1" lang="en-US" altLang="zh-CN"/>
+              <a:rPr lang="zh-CN" altLang="en-US" i="0" dirty="0">
+                <a:solidFill>
+                  <a:srgbClr val="222226"/>
+                </a:solidFill>
+                <a:effectLst/>
+                <a:latin typeface="+mn-ea"/>
+              </a:rPr>
+              <a:t>随机森林回归</a:t>
+            </a:r>
+            <a:endParaRPr lang="en-US" altLang="zh-CN" i="0" dirty="0">
+              <a:solidFill>
+                <a:srgbClr val="222226"/>
+              </a:solidFill>
+              <a:effectLst/>
+              <a:latin typeface="+mn-ea"/>
+            </a:endParaRPr>
+          </a:p>
+          <a:p>
+            <a:r>
+              <a:rPr lang="zh-CN" altLang="en-US" i="0" dirty="0">
+                <a:solidFill>
+                  <a:srgbClr val="222226"/>
+                </a:solidFill>
+                <a:effectLst/>
+                <a:latin typeface="+mn-ea"/>
+              </a:rPr>
+              <a:t>在多因素分析的基础上</a:t>
+            </a:r>
+            <a:r>
+              <a:rPr lang="en-US" altLang="zh-CN" i="0" dirty="0">
+                <a:solidFill>
+                  <a:srgbClr val="222226"/>
+                </a:solidFill>
+                <a:effectLst/>
+                <a:latin typeface="+mn-ea"/>
+              </a:rPr>
               <a:t>,</a:t>
             </a:r>
             <a:r>
-              <a:rPr kumimoji="1" lang="zh-CN" altLang="en-US"/>
-              <a:t> 讲它们整理成表格</a:t>
-            </a:r>
-            <a:r>
-              <a:rPr kumimoji="1" lang="en-US" altLang="zh-CN"/>
+              <a:rPr lang="zh-CN" altLang="en-US" i="0" dirty="0">
+                <a:solidFill>
+                  <a:srgbClr val="222226"/>
+                </a:solidFill>
+                <a:effectLst/>
+                <a:latin typeface="+mn-ea"/>
+              </a:rPr>
+              <a:t> 利用随机森林对变量重要性进行评估</a:t>
+            </a:r>
+          </a:p>
+          <a:p>
+            <a:r>
+              <a:rPr kumimoji="1" lang="zh-CN" altLang="en-US" dirty="0"/>
+              <a:t>随机森林是一种经典的机器学习方法</a:t>
+            </a:r>
+            <a:r>
+              <a:rPr kumimoji="1" lang="en-US" altLang="zh-CN" dirty="0"/>
+              <a:t>,</a:t>
+            </a:r>
+            <a:r>
+              <a:rPr kumimoji="1" lang="zh-CN" altLang="en-US" dirty="0"/>
+              <a:t>常被用于回归任务</a:t>
+            </a:r>
+            <a:r>
+              <a:rPr kumimoji="1" lang="en-US" altLang="zh-CN" dirty="0"/>
+              <a:t>,</a:t>
+            </a:r>
+            <a:r>
+              <a:rPr kumimoji="1" lang="zh-CN" altLang="en-US" dirty="0"/>
+              <a:t> 包括二分类因变量的回归</a:t>
+            </a:r>
+            <a:r>
+              <a:rPr kumimoji="1" lang="en-US" altLang="zh-CN" dirty="0"/>
               <a:t>.</a:t>
             </a:r>
-            <a:r>
-              <a:rPr kumimoji="1" lang="zh-CN" altLang="en-US"/>
+          </a:p>
+          <a:p>
+            <a:r>
+              <a:rPr kumimoji="1" lang="zh-CN" altLang="en-US" dirty="0"/>
+              <a:t>它通过大量决策树</a:t>
+            </a:r>
+            <a:r>
+              <a:rPr kumimoji="1" lang="en-US" altLang="zh-CN" dirty="0"/>
+              <a:t>”</a:t>
+            </a:r>
+            <a:r>
+              <a:rPr kumimoji="1" lang="zh-CN" altLang="en-US" dirty="0"/>
+              <a:t>投票</a:t>
+            </a:r>
+            <a:r>
+              <a:rPr kumimoji="1" lang="en-US" altLang="zh-CN" dirty="0"/>
+              <a:t>”</a:t>
+            </a:r>
+            <a:r>
+              <a:rPr kumimoji="1" lang="zh-CN" altLang="en-US" dirty="0"/>
+              <a:t>得到因变量的取值</a:t>
+            </a:r>
+            <a:r>
+              <a:rPr kumimoji="1" lang="en-US" altLang="zh-CN" dirty="0"/>
+              <a:t>.</a:t>
+            </a:r>
+            <a:r>
+              <a:rPr kumimoji="1" lang="zh-CN" altLang="en-US" dirty="0"/>
               <a:t> </a:t>
             </a:r>
-            <a:endParaRPr kumimoji="1" lang="en-US" altLang="zh-CN"/>
-          </a:p>
-          <a:p>
-            <a:r>
-              <a:rPr kumimoji="1" lang="zh-CN" altLang="en-US"/>
-              <a:t>对于第一个研究</a:t>
-            </a:r>
-            <a:r>
-              <a:rPr kumimoji="1" lang="en-US" altLang="zh-CN"/>
-              <a:t>:</a:t>
-            </a:r>
-            <a:r>
-              <a:rPr kumimoji="1" lang="zh-CN" altLang="en-US"/>
-              <a:t> </a:t>
-            </a:r>
-            <a:endParaRPr kumimoji="1" lang="en-US" altLang="zh-CN"/>
-          </a:p>
-          <a:p>
-            <a:r>
-              <a:rPr kumimoji="1" lang="zh-CN" altLang="en-US"/>
-              <a:t>将单因素分析的</a:t>
-            </a:r>
-            <a:r>
-              <a:rPr kumimoji="1" lang="en-US" altLang="zh-CN"/>
-              <a:t>OR</a:t>
-            </a:r>
-            <a:r>
-              <a:rPr kumimoji="1" lang="zh-CN" altLang="en-US"/>
-              <a:t>区间可视化</a:t>
-            </a:r>
-            <a:r>
-              <a:rPr kumimoji="1" lang="en-US" altLang="zh-CN"/>
+            <a:endParaRPr kumimoji="1" lang="en-US" altLang="zh-CN" dirty="0"/>
+          </a:p>
+          <a:p>
+            <a:r>
+              <a:rPr kumimoji="1" lang="zh-CN" altLang="en-US" dirty="0"/>
+              <a:t>用随机森林进行变量重要性评估的思想</a:t>
+            </a:r>
+            <a:r>
+              <a:rPr kumimoji="1" lang="en-US" altLang="zh-CN" dirty="0"/>
               <a:t>,</a:t>
             </a:r>
             <a:r>
-              <a:rPr kumimoji="1" lang="zh-CN" altLang="en-US"/>
-              <a:t> 作森林图 </a:t>
-            </a:r>
-            <a:r>
-              <a:rPr kumimoji="1" lang="en-US" altLang="zh-CN"/>
-              <a:t>(forest</a:t>
-            </a:r>
-            <a:r>
-              <a:rPr kumimoji="1" lang="zh-CN" altLang="en-US"/>
-              <a:t> </a:t>
-            </a:r>
-            <a:r>
-              <a:rPr kumimoji="1" lang="en-US" altLang="zh-CN"/>
-              <a:t>plot).</a:t>
-            </a:r>
-            <a:r>
-              <a:rPr kumimoji="1" lang="zh-CN" altLang="en-US"/>
-              <a:t> </a:t>
-            </a:r>
-            <a:endParaRPr kumimoji="1" lang="en-US" altLang="zh-CN"/>
-          </a:p>
-          <a:p>
-            <a:r>
-              <a:rPr kumimoji="1" lang="zh-CN" altLang="en-US"/>
-              <a:t>多因素回归补充变量筛选和列线图</a:t>
-            </a:r>
-            <a:r>
-              <a:rPr kumimoji="1" lang="en-US" altLang="zh-CN"/>
+              <a:rPr kumimoji="1" lang="zh-CN" altLang="en-US" dirty="0"/>
+              <a:t> 是考察每个变量在随机森林中的每颗决策树上做了多大的贡献</a:t>
+            </a:r>
+            <a:r>
+              <a:rPr kumimoji="1" lang="en-US" altLang="zh-CN" dirty="0"/>
+              <a:t>,</a:t>
+            </a:r>
+            <a:r>
+              <a:rPr kumimoji="1" lang="zh-CN" altLang="en-US" dirty="0"/>
+              <a:t> 然后取平均值</a:t>
+            </a:r>
+            <a:r>
+              <a:rPr kumimoji="1" lang="en-US" altLang="zh-CN" dirty="0"/>
+              <a:t>,</a:t>
+            </a:r>
+            <a:r>
+              <a:rPr kumimoji="1" lang="zh-CN" altLang="en-US" dirty="0"/>
+              <a:t> 最后比较特征之间的贡献大小</a:t>
+            </a:r>
+            <a:r>
+              <a:rPr kumimoji="1" lang="en-US" altLang="zh-CN" dirty="0"/>
               <a:t>.</a:t>
             </a:r>
             <a:r>
-              <a:rPr kumimoji="1" lang="zh-CN" altLang="en-US"/>
-              <a:t> </a:t>
-            </a:r>
-            <a:endParaRPr kumimoji="1" lang="en-US" altLang="zh-CN"/>
-          </a:p>
-          <a:p>
-            <a:r>
-              <a:rPr kumimoji="1" lang="zh-CN" altLang="en-US"/>
-              <a:t>对于第二个研究</a:t>
-            </a:r>
-            <a:r>
-              <a:rPr kumimoji="1" lang="en-US" altLang="zh-CN"/>
-              <a:t>:</a:t>
-            </a:r>
-            <a:r>
-              <a:rPr kumimoji="1" lang="zh-CN" altLang="en-US"/>
-              <a:t> </a:t>
-            </a:r>
-            <a:endParaRPr kumimoji="1" lang="en-US" altLang="zh-CN"/>
-          </a:p>
-          <a:p>
-            <a:r>
-              <a:rPr kumimoji="1" lang="zh-CN" altLang="en-US"/>
-              <a:t>补充相关变量回访前后的比较和检验的表格和图</a:t>
-            </a:r>
-            <a:r>
-              <a:rPr kumimoji="1" lang="en-US" altLang="zh-CN"/>
-              <a:t>.</a:t>
-            </a:r>
-            <a:r>
-              <a:rPr kumimoji="1" lang="zh-CN" altLang="en-US"/>
-              <a:t> </a:t>
-            </a:r>
-            <a:endParaRPr kumimoji="1" lang="en-US" altLang="zh-CN"/>
-          </a:p>
-          <a:p>
-            <a:r>
-              <a:rPr kumimoji="1" lang="zh-CN" altLang="en-US"/>
-              <a:t>完成</a:t>
-            </a:r>
-            <a:r>
-              <a:rPr kumimoji="1" lang="en-US" altLang="zh-CN"/>
-              <a:t>“</a:t>
-            </a:r>
-            <a:r>
-              <a:rPr kumimoji="1" lang="zh-CN" altLang="en-US"/>
-              <a:t>材料与方法</a:t>
-            </a:r>
-            <a:r>
-              <a:rPr kumimoji="1" lang="en-US" altLang="zh-CN"/>
-              <a:t>”</a:t>
-            </a:r>
-            <a:r>
-              <a:rPr kumimoji="1" lang="zh-CN" altLang="en-US"/>
-              <a:t>和</a:t>
-            </a:r>
-            <a:r>
-              <a:rPr kumimoji="1" lang="en-US" altLang="zh-CN"/>
-              <a:t>“</a:t>
-            </a:r>
-            <a:r>
-              <a:rPr kumimoji="1" lang="zh-CN" altLang="en-US"/>
-              <a:t>结果</a:t>
-            </a:r>
-            <a:r>
-              <a:rPr kumimoji="1" lang="en-US" altLang="zh-CN"/>
-              <a:t>”</a:t>
-            </a:r>
-            <a:r>
-              <a:rPr kumimoji="1" lang="zh-CN" altLang="en-US"/>
-              <a:t> 两章的初稿撰写</a:t>
-            </a:r>
-            <a:r>
-              <a:rPr kumimoji="1" lang="en-US" altLang="zh-CN"/>
-              <a:t>.</a:t>
-            </a:r>
-            <a:r>
-              <a:rPr kumimoji="1" lang="zh-CN" altLang="en-US"/>
-              <a:t> </a:t>
+              <a:rPr kumimoji="1" lang="zh-CN" altLang="en-US" dirty="0"/>
+              <a:t>  </a:t>
             </a:r>
           </a:p>
         </p:txBody>
@@ -5522,7 +5547,314 @@
     </p:spTree>
     <p:extLst>
       <p:ext uri="{BB962C8B-B14F-4D97-AF65-F5344CB8AC3E}">
-        <p14:creationId xmlns:p14="http://schemas.microsoft.com/office/powerpoint/2010/main" val="2965718450"/>
+        <p14:creationId xmlns:p14="http://schemas.microsoft.com/office/powerpoint/2010/main" val="2305405449"/>
+      </p:ext>
+    </p:extLst>
+  </p:cSld>
+  <p:clrMapOvr>
+    <a:masterClrMapping/>
+  </p:clrMapOvr>
+</p:sld>
+</file>
+
+<file path=ppt/slides/slide18.xml><?xml version="1.0" encoding="utf-8"?>
+<p:sld xmlns:a="http://schemas.openxmlformats.org/drawingml/2006/main" xmlns:r="http://schemas.openxmlformats.org/officeDocument/2006/relationships" xmlns:p="http://schemas.openxmlformats.org/presentationml/2006/main">
+  <p:cSld>
+    <p:spTree>
+      <p:nvGrpSpPr>
+        <p:cNvPr id="1" name=""/>
+        <p:cNvGrpSpPr/>
+        <p:nvPr/>
+      </p:nvGrpSpPr>
+      <p:grpSpPr>
+        <a:xfrm>
+          <a:off x="0" y="0"/>
+          <a:ext cx="0" cy="0"/>
+          <a:chOff x="0" y="0"/>
+          <a:chExt cx="0" cy="0"/>
+        </a:xfrm>
+      </p:grpSpPr>
+      <p:sp>
+        <p:nvSpPr>
+          <p:cNvPr id="2" name="Title 1">
+            <a:extLst>
+              <a:ext uri="{FF2B5EF4-FFF2-40B4-BE49-F238E27FC236}">
+                <a16:creationId xmlns:a16="http://schemas.microsoft.com/office/drawing/2014/main" id="{D10DFA99-4A75-4F8D-92AF-BDBD954F9C20}"/>
+              </a:ext>
+            </a:extLst>
+          </p:cNvPr>
+          <p:cNvSpPr>
+            <a:spLocks noGrp="1"/>
+          </p:cNvSpPr>
+          <p:nvPr>
+            <p:ph type="title"/>
+          </p:nvPr>
+        </p:nvSpPr>
+        <p:spPr/>
+        <p:txBody>
+          <a:bodyPr/>
+          <a:lstStyle/>
+          <a:p>
+            <a:r>
+              <a:rPr kumimoji="1" lang="zh-CN" altLang="en-US" dirty="0"/>
+              <a:t>统计分析与结果</a:t>
+            </a:r>
+            <a:endParaRPr lang="en-US" dirty="0"/>
+          </a:p>
+        </p:txBody>
+      </p:sp>
+      <p:sp>
+        <p:nvSpPr>
+          <p:cNvPr id="3" name="Content Placeholder 2">
+            <a:extLst>
+              <a:ext uri="{FF2B5EF4-FFF2-40B4-BE49-F238E27FC236}">
+                <a16:creationId xmlns:a16="http://schemas.microsoft.com/office/drawing/2014/main" id="{EB804A71-A40A-4A86-A8EE-84947B4B3F91}"/>
+              </a:ext>
+            </a:extLst>
+          </p:cNvPr>
+          <p:cNvSpPr>
+            <a:spLocks noGrp="1"/>
+          </p:cNvSpPr>
+          <p:nvPr>
+            <p:ph idx="1"/>
+          </p:nvPr>
+        </p:nvSpPr>
+        <p:spPr/>
+        <p:txBody>
+          <a:bodyPr/>
+          <a:lstStyle/>
+          <a:p>
+            <a:r>
+              <a:rPr lang="zh-CN" altLang="en-US" dirty="0">
+                <a:solidFill>
+                  <a:srgbClr val="222226"/>
+                </a:solidFill>
+                <a:latin typeface="+mn-ea"/>
+              </a:rPr>
+              <a:t>随机森林回归对变量重要性做排序结果</a:t>
+            </a:r>
+            <a:endParaRPr lang="en-US" altLang="zh-CN" dirty="0">
+              <a:solidFill>
+                <a:srgbClr val="222226"/>
+              </a:solidFill>
+              <a:latin typeface="+mn-ea"/>
+            </a:endParaRPr>
+          </a:p>
+          <a:p>
+            <a:endParaRPr lang="en-US" dirty="0"/>
+          </a:p>
+        </p:txBody>
+      </p:sp>
+      <p:pic>
+        <p:nvPicPr>
+          <p:cNvPr id="4" name="Picture 3">
+            <a:extLst>
+              <a:ext uri="{FF2B5EF4-FFF2-40B4-BE49-F238E27FC236}">
+                <a16:creationId xmlns:a16="http://schemas.microsoft.com/office/drawing/2014/main" id="{839470ED-42E3-4935-B4D2-B2A7774B6F28}"/>
+              </a:ext>
+            </a:extLst>
+          </p:cNvPr>
+          <p:cNvPicPr>
+            <a:picLocks noChangeAspect="1"/>
+          </p:cNvPicPr>
+          <p:nvPr/>
+        </p:nvPicPr>
+        <p:blipFill rotWithShape="1">
+          <a:blip r:embed="rId2"/>
+          <a:srcRect l="50470" t="22248"/>
+          <a:stretch/>
+        </p:blipFill>
+        <p:spPr>
+          <a:xfrm>
+            <a:off x="4038438" y="2721838"/>
+            <a:ext cx="3493685" cy="3661083"/>
+          </a:xfrm>
+          <a:prstGeom prst="rect">
+            <a:avLst/>
+          </a:prstGeom>
+        </p:spPr>
+      </p:pic>
+    </p:spTree>
+    <p:extLst>
+      <p:ext uri="{BB962C8B-B14F-4D97-AF65-F5344CB8AC3E}">
+        <p14:creationId xmlns:p14="http://schemas.microsoft.com/office/powerpoint/2010/main" val="1543319700"/>
+      </p:ext>
+    </p:extLst>
+  </p:cSld>
+  <p:clrMapOvr>
+    <a:masterClrMapping/>
+  </p:clrMapOvr>
+</p:sld>
+</file>
+
+<file path=ppt/slides/slide19.xml><?xml version="1.0" encoding="utf-8"?>
+<p:sld xmlns:a="http://schemas.openxmlformats.org/drawingml/2006/main" xmlns:r="http://schemas.openxmlformats.org/officeDocument/2006/relationships" xmlns:p="http://schemas.openxmlformats.org/presentationml/2006/main">
+  <p:cSld>
+    <p:spTree>
+      <p:nvGrpSpPr>
+        <p:cNvPr id="1" name=""/>
+        <p:cNvGrpSpPr/>
+        <p:nvPr/>
+      </p:nvGrpSpPr>
+      <p:grpSpPr>
+        <a:xfrm>
+          <a:off x="0" y="0"/>
+          <a:ext cx="0" cy="0"/>
+          <a:chOff x="0" y="0"/>
+          <a:chExt cx="0" cy="0"/>
+        </a:xfrm>
+      </p:grpSpPr>
+      <p:sp>
+        <p:nvSpPr>
+          <p:cNvPr id="2" name="标题 1">
+            <a:extLst>
+              <a:ext uri="{FF2B5EF4-FFF2-40B4-BE49-F238E27FC236}">
+                <a16:creationId xmlns:a16="http://schemas.microsoft.com/office/drawing/2014/main" id="{BD14703B-1F0F-8F71-2F28-CE6859A9E391}"/>
+              </a:ext>
+            </a:extLst>
+          </p:cNvPr>
+          <p:cNvSpPr>
+            <a:spLocks noGrp="1"/>
+          </p:cNvSpPr>
+          <p:nvPr>
+            <p:ph type="title"/>
+          </p:nvPr>
+        </p:nvSpPr>
+        <p:spPr/>
+        <p:txBody>
+          <a:bodyPr/>
+          <a:lstStyle/>
+          <a:p>
+            <a:r>
+              <a:rPr kumimoji="1" lang="zh-CN" altLang="en-US"/>
+              <a:t>统计分析与结果</a:t>
+            </a:r>
+          </a:p>
+        </p:txBody>
+      </p:sp>
+      <p:sp>
+        <p:nvSpPr>
+          <p:cNvPr id="3" name="内容占位符 2">
+            <a:extLst>
+              <a:ext uri="{FF2B5EF4-FFF2-40B4-BE49-F238E27FC236}">
+                <a16:creationId xmlns:a16="http://schemas.microsoft.com/office/drawing/2014/main" id="{8D31335F-A41B-D77C-AD4F-7EDB9E98F3E7}"/>
+              </a:ext>
+            </a:extLst>
+          </p:cNvPr>
+          <p:cNvSpPr>
+            <a:spLocks noGrp="1"/>
+          </p:cNvSpPr>
+          <p:nvPr>
+            <p:ph idx="1"/>
+          </p:nvPr>
+        </p:nvSpPr>
+        <p:spPr/>
+        <p:txBody>
+          <a:bodyPr/>
+          <a:lstStyle/>
+          <a:p>
+            <a:r>
+              <a:rPr kumimoji="1" lang="zh-CN" altLang="en-US"/>
+              <a:t>分位数回归</a:t>
+            </a:r>
+            <a:endParaRPr kumimoji="1" lang="en-US" altLang="zh-CN"/>
+          </a:p>
+          <a:p>
+            <a:r>
+              <a:rPr kumimoji="1" lang="zh-CN" altLang="en-US"/>
+              <a:t>分位数回归对一组预测变量（自变量）与目标变量（因变量）的特定百分位数（即“分位数”</a:t>
+            </a:r>
+            <a:r>
+              <a:rPr kumimoji="1" lang="en-US" altLang="zh-CN"/>
+              <a:t>,</a:t>
+            </a:r>
+            <a:r>
+              <a:rPr kumimoji="1" lang="zh-CN" altLang="en-US"/>
+              <a:t> 通常是中位数）之间的关系建</a:t>
+            </a:r>
+            <a:endParaRPr kumimoji="1" lang="en-US" altLang="zh-CN"/>
+          </a:p>
+          <a:p>
+            <a:r>
+              <a:rPr kumimoji="1" lang="zh-CN" altLang="en-US"/>
+              <a:t>与“普通最小平方”回归相比</a:t>
+            </a:r>
+            <a:r>
+              <a:rPr kumimoji="1" lang="en-US" altLang="zh-CN"/>
+              <a:t>,</a:t>
+            </a:r>
+            <a:r>
+              <a:rPr kumimoji="1" lang="zh-CN" altLang="en-US"/>
+              <a:t> 其有两个主要优势</a:t>
+            </a:r>
+            <a:r>
+              <a:rPr kumimoji="1" lang="en-US" altLang="zh-CN"/>
+              <a:t>:</a:t>
+            </a:r>
+            <a:r>
+              <a:rPr kumimoji="1" lang="zh-CN" altLang="en-US"/>
+              <a:t> </a:t>
+            </a:r>
+            <a:endParaRPr kumimoji="1" lang="en-US" altLang="zh-CN"/>
+          </a:p>
+          <a:p>
+            <a:pPr lvl="1"/>
+            <a:r>
+              <a:rPr kumimoji="1" lang="zh-CN" altLang="en-US"/>
+              <a:t>分位数回归不会假设目标变量的分布</a:t>
+            </a:r>
+            <a:r>
+              <a:rPr kumimoji="1" lang="en-US" altLang="zh-CN"/>
+              <a:t>.</a:t>
+            </a:r>
+            <a:r>
+              <a:rPr kumimoji="1" lang="zh-CN" altLang="en-US"/>
+              <a:t> </a:t>
+            </a:r>
+            <a:endParaRPr kumimoji="1" lang="en-US" altLang="zh-CN"/>
+          </a:p>
+          <a:p>
+            <a:pPr lvl="1"/>
+            <a:r>
+              <a:rPr kumimoji="1" lang="zh-CN" altLang="en-US"/>
+              <a:t>分位数回归趋向于抑制偏离观测值的影响</a:t>
+            </a:r>
+            <a:r>
+              <a:rPr kumimoji="1" lang="en-US" altLang="zh-CN"/>
+              <a:t>.</a:t>
+            </a:r>
+            <a:r>
+              <a:rPr kumimoji="1" lang="zh-CN" altLang="en-US"/>
+              <a:t> </a:t>
+            </a:r>
+            <a:endParaRPr kumimoji="1" lang="en-US" altLang="zh-CN"/>
+          </a:p>
+          <a:p>
+            <a:r>
+              <a:rPr kumimoji="1" lang="zh-CN" altLang="en-US"/>
+              <a:t>它被用于解决第二个临床问题</a:t>
+            </a:r>
+            <a:r>
+              <a:rPr kumimoji="1" lang="en-US" altLang="zh-CN"/>
+              <a:t>.</a:t>
+            </a:r>
+            <a:r>
+              <a:rPr kumimoji="1" lang="zh-CN" altLang="en-US"/>
+              <a:t> </a:t>
+            </a:r>
+          </a:p>
+          <a:p>
+            <a:endParaRPr kumimoji="1" lang="en-US" altLang="zh-CN"/>
+          </a:p>
+          <a:p>
+            <a:endParaRPr kumimoji="1" lang="zh-CN" altLang="en-US"/>
+          </a:p>
+        </p:txBody>
+      </p:sp>
+    </p:spTree>
+    <p:extLst>
+      <p:ext uri="{BB962C8B-B14F-4D97-AF65-F5344CB8AC3E}">
+        <p14:creationId xmlns:p14="http://schemas.microsoft.com/office/powerpoint/2010/main" val="2214525768"/>
       </p:ext>
     </p:extLst>
   </p:cSld>
@@ -5699,6 +6031,254 @@
     <p:extLst>
       <p:ext uri="{BB962C8B-B14F-4D97-AF65-F5344CB8AC3E}">
         <p14:creationId xmlns:p14="http://schemas.microsoft.com/office/powerpoint/2010/main" val="506449630"/>
+      </p:ext>
+    </p:extLst>
+  </p:cSld>
+  <p:clrMapOvr>
+    <a:masterClrMapping/>
+  </p:clrMapOvr>
+</p:sld>
+</file>
+
+<file path=ppt/slides/slide20.xml><?xml version="1.0" encoding="utf-8"?>
+<p:sld xmlns:a="http://schemas.openxmlformats.org/drawingml/2006/main" xmlns:r="http://schemas.openxmlformats.org/officeDocument/2006/relationships" xmlns:p="http://schemas.openxmlformats.org/presentationml/2006/main">
+  <p:cSld>
+    <p:spTree>
+      <p:nvGrpSpPr>
+        <p:cNvPr id="1" name=""/>
+        <p:cNvGrpSpPr/>
+        <p:nvPr/>
+      </p:nvGrpSpPr>
+      <p:grpSpPr>
+        <a:xfrm>
+          <a:off x="0" y="0"/>
+          <a:ext cx="0" cy="0"/>
+          <a:chOff x="0" y="0"/>
+          <a:chExt cx="0" cy="0"/>
+        </a:xfrm>
+      </p:grpSpPr>
+      <p:sp>
+        <p:nvSpPr>
+          <p:cNvPr id="2" name="标题 1">
+            <a:extLst>
+              <a:ext uri="{FF2B5EF4-FFF2-40B4-BE49-F238E27FC236}">
+                <a16:creationId xmlns:a16="http://schemas.microsoft.com/office/drawing/2014/main" id="{D8B42052-415C-D5AB-3C5D-C02BD252C937}"/>
+              </a:ext>
+            </a:extLst>
+          </p:cNvPr>
+          <p:cNvSpPr>
+            <a:spLocks noGrp="1"/>
+          </p:cNvSpPr>
+          <p:nvPr>
+            <p:ph type="title"/>
+          </p:nvPr>
+        </p:nvSpPr>
+        <p:spPr/>
+        <p:txBody>
+          <a:bodyPr/>
+          <a:lstStyle/>
+          <a:p>
+            <a:r>
+              <a:rPr kumimoji="1" lang="zh-CN" altLang="en-US"/>
+              <a:t>下一步工作</a:t>
+            </a:r>
+          </a:p>
+        </p:txBody>
+      </p:sp>
+      <p:sp>
+        <p:nvSpPr>
+          <p:cNvPr id="3" name="内容占位符 2">
+            <a:extLst>
+              <a:ext uri="{FF2B5EF4-FFF2-40B4-BE49-F238E27FC236}">
+                <a16:creationId xmlns:a16="http://schemas.microsoft.com/office/drawing/2014/main" id="{7421A779-A159-BC68-448D-03260DE6689E}"/>
+              </a:ext>
+            </a:extLst>
+          </p:cNvPr>
+          <p:cNvSpPr>
+            <a:spLocks noGrp="1"/>
+          </p:cNvSpPr>
+          <p:nvPr>
+            <p:ph idx="1"/>
+          </p:nvPr>
+        </p:nvSpPr>
+        <p:spPr/>
+        <p:txBody>
+          <a:bodyPr/>
+          <a:lstStyle/>
+          <a:p>
+            <a:r>
+              <a:rPr kumimoji="1" lang="zh-CN" altLang="en-US"/>
+              <a:t>进一步整理回归模型输出的参数</a:t>
+            </a:r>
+            <a:r>
+              <a:rPr kumimoji="1" lang="en-US" altLang="zh-CN"/>
+              <a:t>,</a:t>
+            </a:r>
+            <a:r>
+              <a:rPr kumimoji="1" lang="zh-CN" altLang="en-US"/>
+              <a:t> 讲它们整理成表格</a:t>
+            </a:r>
+            <a:r>
+              <a:rPr kumimoji="1" lang="en-US" altLang="zh-CN"/>
+              <a:t>.</a:t>
+            </a:r>
+            <a:r>
+              <a:rPr kumimoji="1" lang="zh-CN" altLang="en-US"/>
+              <a:t> </a:t>
+            </a:r>
+            <a:endParaRPr kumimoji="1" lang="en-US" altLang="zh-CN"/>
+          </a:p>
+          <a:p>
+            <a:r>
+              <a:rPr kumimoji="1" lang="zh-CN" altLang="en-US"/>
+              <a:t>对于第一个研究</a:t>
+            </a:r>
+            <a:r>
+              <a:rPr kumimoji="1" lang="en-US" altLang="zh-CN"/>
+              <a:t>:</a:t>
+            </a:r>
+            <a:r>
+              <a:rPr kumimoji="1" lang="zh-CN" altLang="en-US"/>
+              <a:t> </a:t>
+            </a:r>
+            <a:endParaRPr kumimoji="1" lang="en-US" altLang="zh-CN"/>
+          </a:p>
+          <a:p>
+            <a:r>
+              <a:rPr kumimoji="1" lang="zh-CN" altLang="en-US"/>
+              <a:t>将单因素分析的</a:t>
+            </a:r>
+            <a:r>
+              <a:rPr kumimoji="1" lang="en-US" altLang="zh-CN"/>
+              <a:t>OR</a:t>
+            </a:r>
+            <a:r>
+              <a:rPr kumimoji="1" lang="zh-CN" altLang="en-US"/>
+              <a:t>区间可视化</a:t>
+            </a:r>
+            <a:r>
+              <a:rPr kumimoji="1" lang="en-US" altLang="zh-CN"/>
+              <a:t>,</a:t>
+            </a:r>
+            <a:r>
+              <a:rPr kumimoji="1" lang="zh-CN" altLang="en-US"/>
+              <a:t> 作森林图 </a:t>
+            </a:r>
+            <a:r>
+              <a:rPr kumimoji="1" lang="en-US" altLang="zh-CN"/>
+              <a:t>(forest</a:t>
+            </a:r>
+            <a:r>
+              <a:rPr kumimoji="1" lang="zh-CN" altLang="en-US"/>
+              <a:t> </a:t>
+            </a:r>
+            <a:r>
+              <a:rPr kumimoji="1" lang="en-US" altLang="zh-CN"/>
+              <a:t>plot).</a:t>
+            </a:r>
+            <a:r>
+              <a:rPr kumimoji="1" lang="zh-CN" altLang="en-US"/>
+              <a:t> </a:t>
+            </a:r>
+            <a:endParaRPr kumimoji="1" lang="en-US" altLang="zh-CN"/>
+          </a:p>
+          <a:p>
+            <a:r>
+              <a:rPr kumimoji="1" lang="zh-CN" altLang="en-US"/>
+              <a:t>多因素回归补充变量筛选和列线图</a:t>
+            </a:r>
+            <a:r>
+              <a:rPr kumimoji="1" lang="en-US" altLang="zh-CN"/>
+              <a:t>.</a:t>
+            </a:r>
+            <a:r>
+              <a:rPr kumimoji="1" lang="zh-CN" altLang="en-US"/>
+              <a:t> </a:t>
+            </a:r>
+            <a:endParaRPr kumimoji="1" lang="en-US" altLang="zh-CN"/>
+          </a:p>
+          <a:p>
+            <a:r>
+              <a:rPr kumimoji="1" lang="zh-CN" altLang="en-US"/>
+              <a:t>对于第二个研究</a:t>
+            </a:r>
+            <a:r>
+              <a:rPr kumimoji="1" lang="en-US" altLang="zh-CN"/>
+              <a:t>:</a:t>
+            </a:r>
+            <a:r>
+              <a:rPr kumimoji="1" lang="zh-CN" altLang="en-US"/>
+              <a:t> </a:t>
+            </a:r>
+            <a:endParaRPr kumimoji="1" lang="en-US" altLang="zh-CN"/>
+          </a:p>
+          <a:p>
+            <a:r>
+              <a:rPr kumimoji="1" lang="zh-CN" altLang="en-US"/>
+              <a:t>补充相关变量回访前后的比较和检验的表格和图</a:t>
+            </a:r>
+            <a:r>
+              <a:rPr kumimoji="1" lang="en-US" altLang="zh-CN"/>
+              <a:t>.</a:t>
+            </a:r>
+            <a:r>
+              <a:rPr kumimoji="1" lang="zh-CN" altLang="en-US"/>
+              <a:t> </a:t>
+            </a:r>
+            <a:endParaRPr kumimoji="1" lang="en-US" altLang="zh-CN"/>
+          </a:p>
+          <a:p>
+            <a:r>
+              <a:rPr kumimoji="1" lang="zh-CN" altLang="en-US"/>
+              <a:t>完成</a:t>
+            </a:r>
+            <a:r>
+              <a:rPr kumimoji="1" lang="en-US" altLang="zh-CN"/>
+              <a:t>“</a:t>
+            </a:r>
+            <a:r>
+              <a:rPr kumimoji="1" lang="zh-CN" altLang="en-US"/>
+              <a:t>材料与方法</a:t>
+            </a:r>
+            <a:r>
+              <a:rPr kumimoji="1" lang="en-US" altLang="zh-CN"/>
+              <a:t>”</a:t>
+            </a:r>
+            <a:r>
+              <a:rPr kumimoji="1" lang="zh-CN" altLang="en-US"/>
+              <a:t>和</a:t>
+            </a:r>
+            <a:r>
+              <a:rPr kumimoji="1" lang="en-US" altLang="zh-CN"/>
+              <a:t>“</a:t>
+            </a:r>
+            <a:r>
+              <a:rPr kumimoji="1" lang="zh-CN" altLang="en-US"/>
+              <a:t>结果</a:t>
+            </a:r>
+            <a:r>
+              <a:rPr kumimoji="1" lang="en-US" altLang="zh-CN"/>
+              <a:t>”</a:t>
+            </a:r>
+            <a:r>
+              <a:rPr kumimoji="1" lang="zh-CN" altLang="en-US"/>
+              <a:t> 两章的初稿撰写</a:t>
+            </a:r>
+            <a:r>
+              <a:rPr kumimoji="1" lang="en-US" altLang="zh-CN"/>
+              <a:t>.</a:t>
+            </a:r>
+            <a:r>
+              <a:rPr kumimoji="1" lang="zh-CN" altLang="en-US"/>
+              <a:t> </a:t>
+            </a:r>
+          </a:p>
+        </p:txBody>
+      </p:sp>
+    </p:spTree>
+    <p:extLst>
+      <p:ext uri="{BB962C8B-B14F-4D97-AF65-F5344CB8AC3E}">
+        <p14:creationId xmlns:p14="http://schemas.microsoft.com/office/powerpoint/2010/main" val="2965718450"/>
       </p:ext>
     </p:extLst>
   </p:cSld>
@@ -7153,6 +7733,36 @@
           </a:p>
         </p:txBody>
       </p:sp>
+      <p:pic>
+        <p:nvPicPr>
+          <p:cNvPr id="5" name="Picture 4">
+            <a:extLst>
+              <a:ext uri="{FF2B5EF4-FFF2-40B4-BE49-F238E27FC236}">
+                <a16:creationId xmlns:a16="http://schemas.microsoft.com/office/drawing/2014/main" id="{1E04E449-F842-4869-8E48-A63566DD4B08}"/>
+              </a:ext>
+            </a:extLst>
+          </p:cNvPr>
+          <p:cNvPicPr>
+            <a:picLocks noChangeAspect="1"/>
+          </p:cNvPicPr>
+          <p:nvPr/>
+        </p:nvPicPr>
+        <p:blipFill>
+          <a:blip r:embed="rId2"/>
+          <a:stretch>
+            <a:fillRect/>
+          </a:stretch>
+        </p:blipFill>
+        <p:spPr>
+          <a:xfrm>
+            <a:off x="5325036" y="365125"/>
+            <a:ext cx="6177612" cy="6436699"/>
+          </a:xfrm>
+          <a:prstGeom prst="rect">
+            <a:avLst/>
+          </a:prstGeom>
+        </p:spPr>
+      </p:pic>
     </p:spTree>
     <p:extLst>
       <p:ext uri="{BB962C8B-B14F-4D97-AF65-F5344CB8AC3E}">
@@ -7236,6 +7846,152 @@
               <a:rPr kumimoji="1" lang="zh-CN" altLang="en-US"/>
               <a:t>偏态分布的一个示例</a:t>
             </a:r>
+          </a:p>
+        </p:txBody>
+      </p:sp>
+      <p:pic>
+        <p:nvPicPr>
+          <p:cNvPr id="4" name="Picture 3">
+            <a:extLst>
+              <a:ext uri="{FF2B5EF4-FFF2-40B4-BE49-F238E27FC236}">
+                <a16:creationId xmlns:a16="http://schemas.microsoft.com/office/drawing/2014/main" id="{1F677F9B-BBF9-4ED0-9060-B27818E59B9E}"/>
+              </a:ext>
+            </a:extLst>
+          </p:cNvPr>
+          <p:cNvPicPr>
+            <a:picLocks noChangeAspect="1"/>
+          </p:cNvPicPr>
+          <p:nvPr/>
+        </p:nvPicPr>
+        <p:blipFill>
+          <a:blip r:embed="rId2"/>
+          <a:stretch>
+            <a:fillRect/>
+          </a:stretch>
+        </p:blipFill>
+        <p:spPr>
+          <a:xfrm>
+            <a:off x="1090893" y="2851897"/>
+            <a:ext cx="4133674" cy="2473138"/>
+          </a:xfrm>
+          <a:prstGeom prst="rect">
+            <a:avLst/>
+          </a:prstGeom>
+        </p:spPr>
+      </p:pic>
+      <p:pic>
+        <p:nvPicPr>
+          <p:cNvPr id="5" name="Picture 4">
+            <a:extLst>
+              <a:ext uri="{FF2B5EF4-FFF2-40B4-BE49-F238E27FC236}">
+                <a16:creationId xmlns:a16="http://schemas.microsoft.com/office/drawing/2014/main" id="{A51A7B7C-0855-4009-BF8F-FA21081738A8}"/>
+              </a:ext>
+            </a:extLst>
+          </p:cNvPr>
+          <p:cNvPicPr>
+            <a:picLocks noChangeAspect="1"/>
+          </p:cNvPicPr>
+          <p:nvPr/>
+        </p:nvPicPr>
+        <p:blipFill>
+          <a:blip r:embed="rId3"/>
+          <a:stretch>
+            <a:fillRect/>
+          </a:stretch>
+        </p:blipFill>
+        <p:spPr>
+          <a:xfrm>
+            <a:off x="7196049" y="2726391"/>
+            <a:ext cx="3660244" cy="2473138"/>
+          </a:xfrm>
+          <a:prstGeom prst="rect">
+            <a:avLst/>
+          </a:prstGeom>
+        </p:spPr>
+      </p:pic>
+      <p:sp>
+        <p:nvSpPr>
+          <p:cNvPr id="6" name="Arrow: Right 5">
+            <a:extLst>
+              <a:ext uri="{FF2B5EF4-FFF2-40B4-BE49-F238E27FC236}">
+                <a16:creationId xmlns:a16="http://schemas.microsoft.com/office/drawing/2014/main" id="{3102A1C1-AB35-4C33-831B-E2455BD6B202}"/>
+              </a:ext>
+            </a:extLst>
+          </p:cNvPr>
+          <p:cNvSpPr/>
+          <p:nvPr/>
+        </p:nvSpPr>
+        <p:spPr>
+          <a:xfrm>
+            <a:off x="5362113" y="3648722"/>
+            <a:ext cx="1438182" cy="772358"/>
+          </a:xfrm>
+          <a:prstGeom prst="rightArrow">
+            <a:avLst/>
+          </a:prstGeom>
+        </p:spPr>
+        <p:style>
+          <a:lnRef idx="2">
+            <a:schemeClr val="accent1">
+              <a:shade val="50000"/>
+            </a:schemeClr>
+          </a:lnRef>
+          <a:fillRef idx="1">
+            <a:schemeClr val="accent1"/>
+          </a:fillRef>
+          <a:effectRef idx="0">
+            <a:schemeClr val="accent1"/>
+          </a:effectRef>
+          <a:fontRef idx="minor">
+            <a:schemeClr val="lt1"/>
+          </a:fontRef>
+        </p:style>
+        <p:txBody>
+          <a:bodyPr rtlCol="0" anchor="ctr"/>
+          <a:lstStyle/>
+          <a:p>
+            <a:pPr algn="ctr"/>
+            <a:endParaRPr lang="en-US"/>
+          </a:p>
+        </p:txBody>
+      </p:sp>
+      <p:sp>
+        <p:nvSpPr>
+          <p:cNvPr id="7" name="TextBox 6">
+            <a:extLst>
+              <a:ext uri="{FF2B5EF4-FFF2-40B4-BE49-F238E27FC236}">
+                <a16:creationId xmlns:a16="http://schemas.microsoft.com/office/drawing/2014/main" id="{B88CAE5F-700B-4009-BD09-5359CC9047C4}"/>
+              </a:ext>
+            </a:extLst>
+          </p:cNvPr>
+          <p:cNvSpPr txBox="1"/>
+          <p:nvPr/>
+        </p:nvSpPr>
+        <p:spPr>
+          <a:xfrm>
+            <a:off x="5450889" y="3144453"/>
+            <a:ext cx="1745160" cy="369332"/>
+          </a:xfrm>
+          <a:prstGeom prst="rect">
+            <a:avLst/>
+          </a:prstGeom>
+          <a:noFill/>
+        </p:spPr>
+        <p:txBody>
+          <a:bodyPr wrap="square" rtlCol="0">
+            <a:spAutoFit/>
+          </a:bodyPr>
+          <a:lstStyle/>
+          <a:p>
+            <a:r>
+              <a:rPr lang="en-US" altLang="zh-CN" dirty="0"/>
+              <a:t>Log</a:t>
+            </a:r>
+            <a:r>
+              <a:rPr lang="zh-CN" altLang="en-US" dirty="0"/>
+              <a:t>转换</a:t>
+            </a:r>
+            <a:endParaRPr lang="en-US" dirty="0"/>
           </a:p>
         </p:txBody>
       </p:sp>
